--- a/Các bước tính toán thuật toán SVM.pptx
+++ b/Các bước tính toán thuật toán SVM.pptx
@@ -111,6 +111,11 @@
       </a:defRPr>
     </a:lvl9pPr>
   </p:defaultTextStyle>
+  <p:extLst>
+    <p:ext uri="{EFAFB233-063F-42B5-8137-9DF3F51BA10A}">
+      <p15:sldGuideLst xmlns:p15="http://schemas.microsoft.com/office/powerpoint/2012/main"/>
+    </p:ext>
+  </p:extLst>
 </p:presentation>
 </file>
 
@@ -5844,8 +5849,8 @@
           </a:p>
         </p:txBody>
       </p:sp>
-      <mc:AlternateContent xmlns:mc="http://schemas.openxmlformats.org/markup-compatibility/2006">
-        <mc:Choice xmlns:a14="http://schemas.microsoft.com/office/drawing/2010/main" Requires="a14">
+      <mc:AlternateContent xmlns:mc="http://schemas.openxmlformats.org/markup-compatibility/2006" xmlns:a14="http://schemas.microsoft.com/office/drawing/2010/main">
+        <mc:Choice Requires="a14">
           <p:sp>
             <p:nvSpPr>
               <p:cNvPr id="9" name="TextBox 8"/>
@@ -5928,7 +5933,7 @@
                     <m:f>
                       <m:fPr>
                         <m:ctrlPr>
-                          <a:rPr lang="en-US" dirty="0" smtClean="0">
+                          <a:rPr lang="en-US" i="1" dirty="0" smtClean="0">
                             <a:latin typeface="Cambria Math" panose="02040503050406030204" pitchFamily="18" charset="0"/>
                           </a:rPr>
                         </m:ctrlPr>
@@ -6180,7 +6185,7 @@
             </p:txBody>
           </p:sp>
         </mc:Choice>
-        <mc:Fallback>
+        <mc:Fallback xmlns="">
           <p:sp>
             <p:nvSpPr>
               <p:cNvPr id="9" name="TextBox 8"/>
@@ -6219,8 +6224,8 @@
           </p:sp>
         </mc:Fallback>
       </mc:AlternateContent>
-      <mc:AlternateContent xmlns:mc="http://schemas.openxmlformats.org/markup-compatibility/2006">
-        <mc:Choice xmlns:a14="http://schemas.microsoft.com/office/drawing/2010/main" Requires="a14">
+      <mc:AlternateContent xmlns:mc="http://schemas.openxmlformats.org/markup-compatibility/2006" xmlns:a14="http://schemas.microsoft.com/office/drawing/2010/main">
+        <mc:Choice Requires="a14">
           <p:sp>
             <p:nvSpPr>
               <p:cNvPr id="10" name="TextBox 9"/>
@@ -6230,7 +6235,7 @@
             <p:spPr>
               <a:xfrm>
                 <a:off x="618309" y="3539155"/>
-                <a:ext cx="6189708" cy="391133"/>
+                <a:ext cx="6287106" cy="391133"/>
               </a:xfrm>
               <a:prstGeom prst="rect">
                 <a:avLst/>
@@ -6303,7 +6308,7 @@
                     <m:f>
                       <m:fPr>
                         <m:ctrlPr>
-                          <a:rPr lang="en-US" dirty="0" smtClean="0">
+                          <a:rPr lang="en-US" i="1" dirty="0" smtClean="0">
                             <a:latin typeface="Cambria Math" panose="02040503050406030204" pitchFamily="18" charset="0"/>
                           </a:rPr>
                         </m:ctrlPr>
@@ -6567,6 +6572,32 @@
                                 </m:ctrlPr>
                               </m:sSubPr>
                               <m:e>
+                                <m:sSub>
+                                  <m:sSubPr>
+                                    <m:ctrlPr>
+                                      <a:rPr lang="en-US" i="1" dirty="0">
+                                        <a:latin typeface="Cambria Math" panose="02040503050406030204" pitchFamily="18" charset="0"/>
+                                      </a:rPr>
+                                    </m:ctrlPr>
+                                  </m:sSubPr>
+                                  <m:e>
+                                    <m:r>
+                                      <a:rPr lang="en-US" i="1" dirty="0">
+                                        <a:latin typeface="Cambria Math" panose="02040503050406030204" pitchFamily="18" charset="0"/>
+                                        <a:ea typeface="Cambria Math" panose="02040503050406030204" pitchFamily="18" charset="0"/>
+                                      </a:rPr>
+                                      <m:t>𝛼</m:t>
+                                    </m:r>
+                                  </m:e>
+                                  <m:sub>
+                                    <m:r>
+                                      <a:rPr lang="en-US" i="1" dirty="0">
+                                        <a:latin typeface="Cambria Math" panose="02040503050406030204" pitchFamily="18" charset="0"/>
+                                      </a:rPr>
+                                      <m:t>𝑖</m:t>
+                                    </m:r>
+                                  </m:sub>
+                                </m:sSub>
                                 <m:r>
                                   <a:rPr lang="en-US" b="0" i="1" dirty="0" smtClean="0">
                                     <a:latin typeface="Cambria Math" panose="02040503050406030204" pitchFamily="18" charset="0"/>
@@ -6674,7 +6705,7 @@
             </p:txBody>
           </p:sp>
         </mc:Choice>
-        <mc:Fallback>
+        <mc:Fallback xmlns="">
           <p:sp>
             <p:nvSpPr>
               <p:cNvPr id="10" name="TextBox 9"/>
@@ -6686,7 +6717,7 @@
             <p:spPr>
               <a:xfrm>
                 <a:off x="618309" y="3539155"/>
-                <a:ext cx="6189708" cy="391133"/>
+                <a:ext cx="6287106" cy="391133"/>
               </a:xfrm>
               <a:prstGeom prst="rect">
                 <a:avLst/>
@@ -6694,7 +6725,7 @@
               <a:blipFill>
                 <a:blip r:embed="rId4"/>
                 <a:stretch>
-                  <a:fillRect l="-1280" t="-110938" r="-886" b="-173438"/>
+                  <a:fillRect l="-1260" t="-110938" r="-3101" b="-173438"/>
                 </a:stretch>
               </a:blipFill>
             </p:spPr>
@@ -6792,8 +6823,8 @@
           </a:prstGeom>
         </p:spPr>
       </p:pic>
-      <mc:AlternateContent xmlns:mc="http://schemas.openxmlformats.org/markup-compatibility/2006">
-        <mc:Choice xmlns:a14="http://schemas.microsoft.com/office/drawing/2010/main" Requires="a14">
+      <mc:AlternateContent xmlns:mc="http://schemas.openxmlformats.org/markup-compatibility/2006" xmlns:a14="http://schemas.microsoft.com/office/drawing/2010/main">
+        <mc:Choice Requires="a14">
           <p:sp>
             <p:nvSpPr>
               <p:cNvPr id="9" name="TextBox 8"/>
@@ -6876,7 +6907,7 @@
                     <m:f>
                       <m:fPr>
                         <m:ctrlPr>
-                          <a:rPr lang="en-US" dirty="0" smtClean="0">
+                          <a:rPr lang="en-US" i="1" dirty="0" smtClean="0">
                             <a:latin typeface="Cambria Math" panose="02040503050406030204" pitchFamily="18" charset="0"/>
                           </a:rPr>
                         </m:ctrlPr>
@@ -7128,7 +7159,7 @@
             </p:txBody>
           </p:sp>
         </mc:Choice>
-        <mc:Fallback>
+        <mc:Fallback xmlns="">
           <p:sp>
             <p:nvSpPr>
               <p:cNvPr id="9" name="TextBox 8"/>
@@ -7167,8 +7198,8 @@
           </p:sp>
         </mc:Fallback>
       </mc:AlternateContent>
-      <mc:AlternateContent xmlns:mc="http://schemas.openxmlformats.org/markup-compatibility/2006">
-        <mc:Choice xmlns:a14="http://schemas.microsoft.com/office/drawing/2010/main" Requires="a14">
+      <mc:AlternateContent xmlns:mc="http://schemas.openxmlformats.org/markup-compatibility/2006" xmlns:a14="http://schemas.microsoft.com/office/drawing/2010/main">
+        <mc:Choice Requires="a14">
           <p:sp>
             <p:nvSpPr>
               <p:cNvPr id="10" name="TextBox 9"/>
@@ -7178,7 +7209,7 @@
             <p:spPr>
               <a:xfrm>
                 <a:off x="618309" y="1133170"/>
-                <a:ext cx="6025880" cy="391133"/>
+                <a:ext cx="6238374" cy="391133"/>
               </a:xfrm>
               <a:prstGeom prst="rect">
                 <a:avLst/>
@@ -7251,7 +7282,7 @@
                     <m:f>
                       <m:fPr>
                         <m:ctrlPr>
-                          <a:rPr lang="en-US" dirty="0" smtClean="0">
+                          <a:rPr lang="en-US" i="1" dirty="0" smtClean="0">
                             <a:latin typeface="Cambria Math" panose="02040503050406030204" pitchFamily="18" charset="0"/>
                           </a:rPr>
                         </m:ctrlPr>
@@ -7500,6 +7531,32 @@
                                 </m:ctrlPr>
                               </m:sSubPr>
                               <m:e>
+                                <m:sSub>
+                                  <m:sSubPr>
+                                    <m:ctrlPr>
+                                      <a:rPr lang="en-US" i="1" dirty="0">
+                                        <a:latin typeface="Cambria Math" panose="02040503050406030204" pitchFamily="18" charset="0"/>
+                                      </a:rPr>
+                                    </m:ctrlPr>
+                                  </m:sSubPr>
+                                  <m:e>
+                                    <m:r>
+                                      <a:rPr lang="en-US" i="1" dirty="0">
+                                        <a:latin typeface="Cambria Math" panose="02040503050406030204" pitchFamily="18" charset="0"/>
+                                        <a:ea typeface="Cambria Math" panose="02040503050406030204" pitchFamily="18" charset="0"/>
+                                      </a:rPr>
+                                      <m:t>𝛼</m:t>
+                                    </m:r>
+                                  </m:e>
+                                  <m:sub>
+                                    <m:r>
+                                      <a:rPr lang="en-US" i="1" dirty="0">
+                                        <a:latin typeface="Cambria Math" panose="02040503050406030204" pitchFamily="18" charset="0"/>
+                                      </a:rPr>
+                                      <m:t>𝑖</m:t>
+                                    </m:r>
+                                  </m:sub>
+                                </m:sSub>
                                 <m:r>
                                   <a:rPr lang="en-US" b="0" i="1" dirty="0" smtClean="0">
                                     <a:latin typeface="Cambria Math" panose="02040503050406030204" pitchFamily="18" charset="0"/>
@@ -7607,7 +7664,7 @@
             </p:txBody>
           </p:sp>
         </mc:Choice>
-        <mc:Fallback>
+        <mc:Fallback xmlns="">
           <p:sp>
             <p:nvSpPr>
               <p:cNvPr id="10" name="TextBox 9"/>
@@ -7619,7 +7676,7 @@
             <p:spPr>
               <a:xfrm>
                 <a:off x="618309" y="1133170"/>
-                <a:ext cx="6025880" cy="391133"/>
+                <a:ext cx="6238374" cy="391133"/>
               </a:xfrm>
               <a:prstGeom prst="rect">
                 <a:avLst/>
@@ -7627,7 +7684,7 @@
               <a:blipFill>
                 <a:blip r:embed="rId4"/>
                 <a:stretch>
-                  <a:fillRect l="-1314" t="-110938" r="-2831" b="-173438"/>
+                  <a:fillRect l="-1270" t="-110938" r="-3125" b="-173438"/>
                 </a:stretch>
               </a:blipFill>
             </p:spPr>
@@ -7720,8 +7777,8 @@
           </a:p>
         </p:txBody>
       </p:sp>
-      <mc:AlternateContent xmlns:mc="http://schemas.openxmlformats.org/markup-compatibility/2006">
-        <mc:Choice xmlns:a14="http://schemas.microsoft.com/office/drawing/2010/main" Requires="a14">
+      <mc:AlternateContent xmlns:mc="http://schemas.openxmlformats.org/markup-compatibility/2006" xmlns:a14="http://schemas.microsoft.com/office/drawing/2010/main">
+        <mc:Choice Requires="a14">
           <p:sp>
             <p:nvSpPr>
               <p:cNvPr id="11" name="TextBox 10"/>
@@ -7804,7 +7861,7 @@
                     <m:f>
                       <m:fPr>
                         <m:ctrlPr>
-                          <a:rPr lang="en-US" dirty="0" smtClean="0">
+                          <a:rPr lang="en-US" i="1" dirty="0" smtClean="0">
                             <a:latin typeface="Cambria Math" panose="02040503050406030204" pitchFamily="18" charset="0"/>
                           </a:rPr>
                         </m:ctrlPr>
@@ -8035,19 +8092,7 @@
                           <a:rPr lang="en-US" b="0" i="1" dirty="0" smtClean="0">
                             <a:latin typeface="Cambria Math" panose="02040503050406030204" pitchFamily="18" charset="0"/>
                           </a:rPr>
-                          <m:t>1</m:t>
-                        </m:r>
-                        <m:r>
-                          <a:rPr lang="en-US" b="0" i="1" dirty="0" smtClean="0">
-                            <a:latin typeface="Cambria Math" panose="02040503050406030204" pitchFamily="18" charset="0"/>
-                          </a:rPr>
-                          <m:t> </m:t>
-                        </m:r>
-                        <m:r>
-                          <a:rPr lang="en-US" b="0" i="1" dirty="0" smtClean="0">
-                            <a:latin typeface="Cambria Math" panose="02040503050406030204" pitchFamily="18" charset="0"/>
-                          </a:rPr>
-                          <m:t>2</m:t>
+                          <m:t>1 2</m:t>
                         </m:r>
                       </m:e>
                     </m:d>
@@ -8193,13 +8238,7 @@
                           <a:rPr lang="en-US" b="0" i="1" dirty="0" smtClean="0">
                             <a:latin typeface="Cambria Math" panose="02040503050406030204" pitchFamily="18" charset="0"/>
                           </a:rPr>
-                          <m:t>−</m:t>
-                        </m:r>
-                        <m:r>
-                          <a:rPr lang="en-US" b="0" i="1" dirty="0" smtClean="0">
-                            <a:latin typeface="Cambria Math" panose="02040503050406030204" pitchFamily="18" charset="0"/>
-                          </a:rPr>
-                          <m:t>1 2</m:t>
+                          <m:t>−1 2</m:t>
                         </m:r>
                       </m:e>
                     </m:d>
@@ -8345,19 +8384,755 @@
                           <a:rPr lang="en-US" b="0" i="1" dirty="0" smtClean="0">
                             <a:latin typeface="Cambria Math" panose="02040503050406030204" pitchFamily="18" charset="0"/>
                           </a:rPr>
-                          <m:t>−1 </m:t>
-                        </m:r>
-                        <m:r>
+                          <m:t>−1 −2</m:t>
+                        </m:r>
+                      </m:e>
+                    </m:d>
+                    <m:r>
+                      <a:rPr lang="en-US" b="0" i="1" dirty="0" smtClean="0">
+                        <a:latin typeface="Cambria Math" panose="02040503050406030204" pitchFamily="18" charset="0"/>
+                      </a:rPr>
+                      <m:t> </m:t>
+                    </m:r>
+                    <m:d>
+                      <m:dPr>
+                        <m:begChr m:val="["/>
+                        <m:endChr m:val="]"/>
+                        <m:ctrlPr>
                           <a:rPr lang="en-US" b="0" i="1" dirty="0" smtClean="0">
                             <a:latin typeface="Cambria Math" panose="02040503050406030204" pitchFamily="18" charset="0"/>
                           </a:rPr>
+                        </m:ctrlPr>
+                      </m:dPr>
+                      <m:e>
+                        <m:m>
+                          <m:mPr>
+                            <m:mcs>
+                              <m:mc>
+                                <m:mcPr>
+                                  <m:count m:val="1"/>
+                                  <m:mcJc m:val="center"/>
+                                </m:mcPr>
+                              </m:mc>
+                            </m:mcs>
+                            <m:ctrlPr>
+                              <a:rPr lang="en-US" b="0" i="1" dirty="0" smtClean="0">
+                                <a:latin typeface="Cambria Math" panose="02040503050406030204" pitchFamily="18" charset="0"/>
+                              </a:rPr>
+                            </m:ctrlPr>
+                          </m:mPr>
+                          <m:mr>
+                            <m:e>
+                              <m:sSub>
+                                <m:sSubPr>
+                                  <m:ctrlPr>
+                                    <a:rPr lang="en-US" b="0" i="1" dirty="0" smtClean="0">
+                                      <a:latin typeface="Cambria Math" panose="02040503050406030204" pitchFamily="18" charset="0"/>
+                                    </a:rPr>
+                                  </m:ctrlPr>
+                                </m:sSubPr>
+                                <m:e>
+                                  <m:r>
+                                    <a:rPr lang="en-US" b="0" i="1" dirty="0" smtClean="0">
+                                      <a:latin typeface="Cambria Math" panose="02040503050406030204" pitchFamily="18" charset="0"/>
+                                    </a:rPr>
+                                    <m:t>𝑤</m:t>
+                                  </m:r>
+                                </m:e>
+                                <m:sub>
+                                  <m:r>
+                                    <a:rPr lang="en-US" b="0" i="1" dirty="0" smtClean="0">
+                                      <a:latin typeface="Cambria Math" panose="02040503050406030204" pitchFamily="18" charset="0"/>
+                                    </a:rPr>
+                                    <m:t>1</m:t>
+                                  </m:r>
+                                </m:sub>
+                              </m:sSub>
+                            </m:e>
+                          </m:mr>
+                          <m:mr>
+                            <m:e>
+                              <m:sSub>
+                                <m:sSubPr>
+                                  <m:ctrlPr>
+                                    <a:rPr lang="en-US" b="0" i="1" dirty="0" smtClean="0">
+                                      <a:latin typeface="Cambria Math" panose="02040503050406030204" pitchFamily="18" charset="0"/>
+                                    </a:rPr>
+                                  </m:ctrlPr>
+                                </m:sSubPr>
+                                <m:e>
+                                  <m:r>
+                                    <a:rPr lang="en-US" b="0" i="1" dirty="0" smtClean="0">
+                                      <a:latin typeface="Cambria Math" panose="02040503050406030204" pitchFamily="18" charset="0"/>
+                                    </a:rPr>
+                                    <m:t>𝑤</m:t>
+                                  </m:r>
+                                </m:e>
+                                <m:sub>
+                                  <m:r>
+                                    <a:rPr lang="en-US" b="0" i="1" dirty="0" smtClean="0">
+                                      <a:latin typeface="Cambria Math" panose="02040503050406030204" pitchFamily="18" charset="0"/>
+                                    </a:rPr>
+                                    <m:t>2</m:t>
+                                  </m:r>
+                                </m:sub>
+                              </m:sSub>
+                            </m:e>
+                          </m:mr>
+                        </m:m>
+                      </m:e>
+                    </m:d>
+                  </m:oMath>
+                </a14:m>
+                <a:r>
+                  <a:rPr lang="en-US" dirty="0" smtClean="0"/>
+                  <a:t> 	-  b(</a:t>
+                </a:r>
+                <a14:m>
+                  <m:oMath xmlns:m="http://schemas.openxmlformats.org/officeDocument/2006/math">
+                    <m:sSub>
+                      <m:sSubPr>
+                        <m:ctrlPr>
+                          <a:rPr lang="en-US" b="0" i="1" dirty="0" smtClean="0">
+                            <a:latin typeface="Cambria Math" panose="02040503050406030204" pitchFamily="18" charset="0"/>
+                          </a:rPr>
+                        </m:ctrlPr>
+                      </m:sSubPr>
+                      <m:e>
+                        <m:r>
+                          <a:rPr lang="en-US" b="0" i="1" dirty="0" smtClean="0">
+                            <a:latin typeface="Cambria Math" panose="02040503050406030204" pitchFamily="18" charset="0"/>
+                          </a:rPr>
                           <m:t>−</m:t>
                         </m:r>
                         <m:r>
                           <a:rPr lang="en-US" b="0" i="1" dirty="0" smtClean="0">
                             <a:latin typeface="Cambria Math" panose="02040503050406030204" pitchFamily="18" charset="0"/>
                           </a:rPr>
+                          <m:t>𝛼</m:t>
+                        </m:r>
+                      </m:e>
+                      <m:sub>
+                        <m:r>
+                          <a:rPr lang="en-US" b="0" i="1" dirty="0" smtClean="0">
+                            <a:latin typeface="Cambria Math" panose="02040503050406030204" pitchFamily="18" charset="0"/>
+                          </a:rPr>
+                          <m:t>1</m:t>
+                        </m:r>
+                      </m:sub>
+                    </m:sSub>
+                    <m:r>
+                      <a:rPr lang="en-US" b="0" i="1" dirty="0" smtClean="0">
+                        <a:latin typeface="Cambria Math" panose="02040503050406030204" pitchFamily="18" charset="0"/>
+                      </a:rPr>
+                      <m:t>−</m:t>
+                    </m:r>
+                    <m:sSub>
+                      <m:sSubPr>
+                        <m:ctrlPr>
+                          <a:rPr lang="en-US" b="0" i="1" dirty="0" smtClean="0">
+                            <a:latin typeface="Cambria Math" panose="02040503050406030204" pitchFamily="18" charset="0"/>
+                          </a:rPr>
+                        </m:ctrlPr>
+                      </m:sSubPr>
+                      <m:e>
+                        <m:r>
+                          <a:rPr lang="en-US" b="0" i="1" dirty="0" smtClean="0">
+                            <a:latin typeface="Cambria Math" panose="02040503050406030204" pitchFamily="18" charset="0"/>
+                          </a:rPr>
+                          <m:t>𝛼</m:t>
+                        </m:r>
+                      </m:e>
+                      <m:sub>
+                        <m:r>
+                          <a:rPr lang="en-US" b="0" i="1" dirty="0" smtClean="0">
+                            <a:latin typeface="Cambria Math" panose="02040503050406030204" pitchFamily="18" charset="0"/>
+                          </a:rPr>
                           <m:t>2</m:t>
+                        </m:r>
+                      </m:sub>
+                    </m:sSub>
+                    <m:r>
+                      <a:rPr lang="en-US" b="0" i="1" dirty="0" smtClean="0">
+                        <a:latin typeface="Cambria Math" panose="02040503050406030204" pitchFamily="18" charset="0"/>
+                      </a:rPr>
+                      <m:t>+</m:t>
+                    </m:r>
+                    <m:sSub>
+                      <m:sSubPr>
+                        <m:ctrlPr>
+                          <a:rPr lang="en-US" b="0" i="1" dirty="0" smtClean="0">
+                            <a:latin typeface="Cambria Math" panose="02040503050406030204" pitchFamily="18" charset="0"/>
+                          </a:rPr>
+                        </m:ctrlPr>
+                      </m:sSubPr>
+                      <m:e>
+                        <m:r>
+                          <a:rPr lang="en-US" b="0" i="1" dirty="0" smtClean="0">
+                            <a:latin typeface="Cambria Math" panose="02040503050406030204" pitchFamily="18" charset="0"/>
+                          </a:rPr>
+                          <m:t>𝛼</m:t>
+                        </m:r>
+                      </m:e>
+                      <m:sub>
+                        <m:r>
+                          <a:rPr lang="en-US" b="0" i="1" dirty="0" smtClean="0">
+                            <a:latin typeface="Cambria Math" panose="02040503050406030204" pitchFamily="18" charset="0"/>
+                          </a:rPr>
+                          <m:t>3</m:t>
+                        </m:r>
+                      </m:sub>
+                    </m:sSub>
+                    <m:r>
+                      <a:rPr lang="en-US" b="0" i="1" dirty="0" smtClean="0">
+                        <a:latin typeface="Cambria Math" panose="02040503050406030204" pitchFamily="18" charset="0"/>
+                      </a:rPr>
+                      <m:t>)</m:t>
+                    </m:r>
+                  </m:oMath>
+                </a14:m>
+                <a:r>
+                  <a:rPr lang="en-US" dirty="0" smtClean="0"/>
+                  <a:t> +</a:t>
+                </a:r>
+                <a14:m>
+                  <m:oMath xmlns:m="http://schemas.openxmlformats.org/officeDocument/2006/math">
+                    <m:sSub>
+                      <m:sSubPr>
+                        <m:ctrlPr>
+                          <a:rPr lang="en-US" b="0" i="1" dirty="0" smtClean="0">
+                            <a:latin typeface="Cambria Math" panose="02040503050406030204" pitchFamily="18" charset="0"/>
+                          </a:rPr>
+                        </m:ctrlPr>
+                      </m:sSubPr>
+                      <m:e>
+                        <m:r>
+                          <a:rPr lang="en-US" b="0" i="1" dirty="0" smtClean="0">
+                            <a:latin typeface="Cambria Math" panose="02040503050406030204" pitchFamily="18" charset="0"/>
+                          </a:rPr>
+                          <m:t>𝛼</m:t>
+                        </m:r>
+                      </m:e>
+                      <m:sub>
+                        <m:r>
+                          <a:rPr lang="en-US" b="0" i="1" dirty="0" smtClean="0">
+                            <a:latin typeface="Cambria Math" panose="02040503050406030204" pitchFamily="18" charset="0"/>
+                          </a:rPr>
+                          <m:t>1</m:t>
+                        </m:r>
+                      </m:sub>
+                    </m:sSub>
+                    <m:r>
+                      <a:rPr lang="en-US" b="0" i="1" dirty="0" smtClean="0">
+                        <a:latin typeface="Cambria Math" panose="02040503050406030204" pitchFamily="18" charset="0"/>
+                      </a:rPr>
+                      <m:t>+</m:t>
+                    </m:r>
+                    <m:sSub>
+                      <m:sSubPr>
+                        <m:ctrlPr>
+                          <a:rPr lang="en-US" b="0" i="1" dirty="0" smtClean="0">
+                            <a:latin typeface="Cambria Math" panose="02040503050406030204" pitchFamily="18" charset="0"/>
+                          </a:rPr>
+                        </m:ctrlPr>
+                      </m:sSubPr>
+                      <m:e>
+                        <m:r>
+                          <a:rPr lang="en-US" b="0" i="1" dirty="0" smtClean="0">
+                            <a:latin typeface="Cambria Math" panose="02040503050406030204" pitchFamily="18" charset="0"/>
+                          </a:rPr>
+                          <m:t>𝛼</m:t>
+                        </m:r>
+                      </m:e>
+                      <m:sub>
+                        <m:r>
+                          <a:rPr lang="en-US" b="0" i="1" dirty="0" smtClean="0">
+                            <a:latin typeface="Cambria Math" panose="02040503050406030204" pitchFamily="18" charset="0"/>
+                          </a:rPr>
+                          <m:t>2</m:t>
+                        </m:r>
+                      </m:sub>
+                    </m:sSub>
+                    <m:r>
+                      <a:rPr lang="en-US" b="0" i="1" dirty="0" smtClean="0">
+                        <a:latin typeface="Cambria Math" panose="02040503050406030204" pitchFamily="18" charset="0"/>
+                      </a:rPr>
+                      <m:t>+</m:t>
+                    </m:r>
+                    <m:sSub>
+                      <m:sSubPr>
+                        <m:ctrlPr>
+                          <a:rPr lang="en-US" b="0" i="1" dirty="0" smtClean="0">
+                            <a:latin typeface="Cambria Math" panose="02040503050406030204" pitchFamily="18" charset="0"/>
+                          </a:rPr>
+                        </m:ctrlPr>
+                      </m:sSubPr>
+                      <m:e>
+                        <m:r>
+                          <a:rPr lang="en-US" b="0" i="1" dirty="0" smtClean="0">
+                            <a:latin typeface="Cambria Math" panose="02040503050406030204" pitchFamily="18" charset="0"/>
+                          </a:rPr>
+                          <m:t>𝛼</m:t>
+                        </m:r>
+                      </m:e>
+                      <m:sub>
+                        <m:r>
+                          <a:rPr lang="en-US" b="0" i="1" dirty="0" smtClean="0">
+                            <a:latin typeface="Cambria Math" panose="02040503050406030204" pitchFamily="18" charset="0"/>
+                          </a:rPr>
+                          <m:t>3</m:t>
+                        </m:r>
+                      </m:sub>
+                    </m:sSub>
+                  </m:oMath>
+                </a14:m>
+                <a:endParaRPr lang="en-US" dirty="0"/>
+              </a:p>
+            </p:txBody>
+          </p:sp>
+        </mc:Choice>
+        <mc:Fallback xmlns="">
+          <p:sp>
+            <p:nvSpPr>
+              <p:cNvPr id="11" name="TextBox 10"/>
+              <p:cNvSpPr txBox="1">
+                <a:spLocks noRot="1" noChangeAspect="1" noMove="1" noResize="1" noEditPoints="1" noAdjustHandles="1" noChangeArrowheads="1" noChangeShapeType="1" noTextEdit="1"/>
+              </p:cNvSpPr>
+              <p:nvPr/>
+            </p:nvSpPr>
+            <p:spPr>
+              <a:xfrm>
+                <a:off x="546736" y="2794742"/>
+                <a:ext cx="7621904" cy="736292"/>
+              </a:xfrm>
+              <a:prstGeom prst="rect">
+                <a:avLst/>
+              </a:prstGeom>
+              <a:blipFill>
+                <a:blip r:embed="rId5"/>
+                <a:stretch>
+                  <a:fillRect b="-19008"/>
+                </a:stretch>
+              </a:blipFill>
+            </p:spPr>
+            <p:txBody>
+              <a:bodyPr/>
+              <a:lstStyle/>
+              <a:p>
+                <a:r>
+                  <a:rPr lang="en-US">
+                    <a:noFill/>
+                  </a:rPr>
+                  <a:t> </a:t>
+                </a:r>
+              </a:p>
+            </p:txBody>
+          </p:sp>
+        </mc:Fallback>
+      </mc:AlternateContent>
+      <mc:AlternateContent xmlns:mc="http://schemas.openxmlformats.org/markup-compatibility/2006" xmlns:a14="http://schemas.microsoft.com/office/drawing/2010/main">
+        <mc:Choice Requires="a14">
+          <p:sp>
+            <p:nvSpPr>
+              <p:cNvPr id="4" name="TextBox 3"/>
+              <p:cNvSpPr txBox="1"/>
+              <p:nvPr/>
+            </p:nvSpPr>
+            <p:spPr>
+              <a:xfrm>
+                <a:off x="1541418" y="4049486"/>
+                <a:ext cx="5782492" cy="942759"/>
+              </a:xfrm>
+              <a:prstGeom prst="rect">
+                <a:avLst/>
+              </a:prstGeom>
+              <a:noFill/>
+            </p:spPr>
+            <p:txBody>
+              <a:bodyPr wrap="square" rtlCol="0">
+                <a:spAutoFit/>
+              </a:bodyPr>
+              <a:lstStyle/>
+              <a:p>
+                <a:r>
+                  <a:rPr lang="en-US" dirty="0" smtClean="0"/>
+                  <a:t>= </a:t>
+                </a:r>
+                <a14:m>
+                  <m:oMath xmlns:m="http://schemas.openxmlformats.org/officeDocument/2006/math">
+                    <m:f>
+                      <m:fPr>
+                        <m:ctrlPr>
+                          <a:rPr lang="en-US" i="1" dirty="0" smtClean="0">
+                            <a:latin typeface="Cambria Math" panose="02040503050406030204" pitchFamily="18" charset="0"/>
+                          </a:rPr>
+                        </m:ctrlPr>
+                      </m:fPr>
+                      <m:num>
+                        <m:r>
+                          <a:rPr lang="en-US" dirty="0">
+                            <a:latin typeface="Cambria Math" panose="02040503050406030204" pitchFamily="18" charset="0"/>
+                          </a:rPr>
+                          <m:t>1</m:t>
+                        </m:r>
+                      </m:num>
+                      <m:den>
+                        <m:r>
+                          <a:rPr lang="en-US" i="0" dirty="0">
+                            <a:latin typeface="Cambria Math" panose="02040503050406030204" pitchFamily="18" charset="0"/>
+                          </a:rPr>
+                          <m:t>2</m:t>
+                        </m:r>
+                      </m:den>
+                    </m:f>
+                    <m:d>
+                      <m:dPr>
+                        <m:begChr m:val="["/>
+                        <m:endChr m:val="]"/>
+                        <m:ctrlPr>
+                          <a:rPr lang="en-US" b="0" i="1" dirty="0" smtClean="0">
+                            <a:latin typeface="Cambria Math" panose="02040503050406030204" pitchFamily="18" charset="0"/>
+                          </a:rPr>
+                        </m:ctrlPr>
+                      </m:dPr>
+                      <m:e>
+                        <m:sSubSup>
+                          <m:sSubSupPr>
+                            <m:ctrlPr>
+                              <a:rPr lang="en-US" b="0" i="1" dirty="0" smtClean="0">
+                                <a:latin typeface="Cambria Math" panose="02040503050406030204" pitchFamily="18" charset="0"/>
+                              </a:rPr>
+                            </m:ctrlPr>
+                          </m:sSubSupPr>
+                          <m:e>
+                            <m:r>
+                              <a:rPr lang="en-US" b="0" i="1" dirty="0" smtClean="0">
+                                <a:latin typeface="Cambria Math" panose="02040503050406030204" pitchFamily="18" charset="0"/>
+                              </a:rPr>
+                              <m:t>𝑤</m:t>
+                            </m:r>
+                          </m:e>
+                          <m:sub>
+                            <m:r>
+                              <a:rPr lang="en-US" b="0" i="1" dirty="0" smtClean="0">
+                                <a:latin typeface="Cambria Math" panose="02040503050406030204" pitchFamily="18" charset="0"/>
+                              </a:rPr>
+                              <m:t>1</m:t>
+                            </m:r>
+                          </m:sub>
+                          <m:sup>
+                            <m:r>
+                              <a:rPr lang="en-US" b="0" i="1" dirty="0" smtClean="0">
+                                <a:latin typeface="Cambria Math" panose="02040503050406030204" pitchFamily="18" charset="0"/>
+                              </a:rPr>
+                              <m:t>2</m:t>
+                            </m:r>
+                          </m:sup>
+                        </m:sSubSup>
+                        <m:r>
+                          <a:rPr lang="en-US" b="0" i="1" dirty="0" smtClean="0">
+                            <a:latin typeface="Cambria Math" panose="02040503050406030204" pitchFamily="18" charset="0"/>
+                          </a:rPr>
+                          <m:t>+</m:t>
+                        </m:r>
+                        <m:sSubSup>
+                          <m:sSubSupPr>
+                            <m:ctrlPr>
+                              <a:rPr lang="en-US" b="0" i="1" dirty="0" smtClean="0">
+                                <a:latin typeface="Cambria Math" panose="02040503050406030204" pitchFamily="18" charset="0"/>
+                              </a:rPr>
+                            </m:ctrlPr>
+                          </m:sSubSupPr>
+                          <m:e>
+                            <m:r>
+                              <a:rPr lang="en-US" b="0" i="1" dirty="0" smtClean="0">
+                                <a:latin typeface="Cambria Math" panose="02040503050406030204" pitchFamily="18" charset="0"/>
+                              </a:rPr>
+                              <m:t>𝑤</m:t>
+                            </m:r>
+                          </m:e>
+                          <m:sub>
+                            <m:r>
+                              <a:rPr lang="en-US" b="0" i="1" dirty="0" smtClean="0">
+                                <a:latin typeface="Cambria Math" panose="02040503050406030204" pitchFamily="18" charset="0"/>
+                              </a:rPr>
+                              <m:t>2</m:t>
+                            </m:r>
+                          </m:sub>
+                          <m:sup>
+                            <m:r>
+                              <a:rPr lang="en-US" b="0" i="1" dirty="0" smtClean="0">
+                                <a:latin typeface="Cambria Math" panose="02040503050406030204" pitchFamily="18" charset="0"/>
+                              </a:rPr>
+                              <m:t>2</m:t>
+                            </m:r>
+                          </m:sup>
+                        </m:sSubSup>
+                      </m:e>
+                    </m:d>
+                    <m:r>
+                      <a:rPr lang="en-US" b="0" i="1" dirty="0" smtClean="0">
+                        <a:latin typeface="Cambria Math" panose="02040503050406030204" pitchFamily="18" charset="0"/>
+                      </a:rPr>
+                      <m:t>+</m:t>
+                    </m:r>
+                    <m:sSub>
+                      <m:sSubPr>
+                        <m:ctrlPr>
+                          <a:rPr lang="en-US" b="0" i="1" dirty="0" smtClean="0">
+                            <a:latin typeface="Cambria Math" panose="02040503050406030204" pitchFamily="18" charset="0"/>
+                          </a:rPr>
+                        </m:ctrlPr>
+                      </m:sSubPr>
+                      <m:e>
+                        <m:r>
+                          <a:rPr lang="en-US" b="0" i="1" dirty="0" smtClean="0">
+                            <a:latin typeface="Cambria Math" panose="02040503050406030204" pitchFamily="18" charset="0"/>
+                          </a:rPr>
+                          <m:t>𝛼</m:t>
+                        </m:r>
+                      </m:e>
+                      <m:sub>
+                        <m:r>
+                          <a:rPr lang="en-US" b="0" i="1" dirty="0" smtClean="0">
+                            <a:latin typeface="Cambria Math" panose="02040503050406030204" pitchFamily="18" charset="0"/>
+                          </a:rPr>
+                          <m:t>1</m:t>
+                        </m:r>
+                      </m:sub>
+                    </m:sSub>
+                    <m:d>
+                      <m:dPr>
+                        <m:begChr m:val="["/>
+                        <m:endChr m:val="]"/>
+                        <m:ctrlPr>
+                          <a:rPr lang="en-US" b="0" i="1" dirty="0" smtClean="0">
+                            <a:latin typeface="Cambria Math" panose="02040503050406030204" pitchFamily="18" charset="0"/>
+                          </a:rPr>
+                        </m:ctrlPr>
+                      </m:dPr>
+                      <m:e>
+                        <m:sSub>
+                          <m:sSubPr>
+                            <m:ctrlPr>
+                              <a:rPr lang="en-US" b="0" i="1" dirty="0" smtClean="0">
+                                <a:latin typeface="Cambria Math" panose="02040503050406030204" pitchFamily="18" charset="0"/>
+                              </a:rPr>
+                            </m:ctrlPr>
+                          </m:sSubPr>
+                          <m:e>
+                            <m:r>
+                              <a:rPr lang="en-US" b="0" i="1" dirty="0" smtClean="0">
+                                <a:latin typeface="Cambria Math" panose="02040503050406030204" pitchFamily="18" charset="0"/>
+                              </a:rPr>
+                              <m:t>𝑤</m:t>
+                            </m:r>
+                          </m:e>
+                          <m:sub>
+                            <m:r>
+                              <a:rPr lang="en-US" b="0" i="1" dirty="0" smtClean="0">
+                                <a:latin typeface="Cambria Math" panose="02040503050406030204" pitchFamily="18" charset="0"/>
+                              </a:rPr>
+                              <m:t>1</m:t>
+                            </m:r>
+                          </m:sub>
+                        </m:sSub>
+                        <m:r>
+                          <a:rPr lang="en-US" b="0" i="1" dirty="0" smtClean="0">
+                            <a:latin typeface="Cambria Math" panose="02040503050406030204" pitchFamily="18" charset="0"/>
+                          </a:rPr>
+                          <m:t>+2</m:t>
+                        </m:r>
+                        <m:sSub>
+                          <m:sSubPr>
+                            <m:ctrlPr>
+                              <a:rPr lang="en-US" b="0" i="1" dirty="0" smtClean="0">
+                                <a:latin typeface="Cambria Math" panose="02040503050406030204" pitchFamily="18" charset="0"/>
+                              </a:rPr>
+                            </m:ctrlPr>
+                          </m:sSubPr>
+                          <m:e>
+                            <m:r>
+                              <a:rPr lang="en-US" b="0" i="1" dirty="0" smtClean="0">
+                                <a:latin typeface="Cambria Math" panose="02040503050406030204" pitchFamily="18" charset="0"/>
+                              </a:rPr>
+                              <m:t>𝑤</m:t>
+                            </m:r>
+                          </m:e>
+                          <m:sub>
+                            <m:r>
+                              <a:rPr lang="en-US" b="0" i="1" dirty="0" smtClean="0">
+                                <a:latin typeface="Cambria Math" panose="02040503050406030204" pitchFamily="18" charset="0"/>
+                              </a:rPr>
+                              <m:t>2</m:t>
+                            </m:r>
+                          </m:sub>
+                        </m:sSub>
+                      </m:e>
+                    </m:d>
+                  </m:oMath>
+                </a14:m>
+                <a:r>
+                  <a:rPr lang="en-US" dirty="0" smtClean="0"/>
+                  <a:t> + </a:t>
+                </a:r>
+                <a14:m>
+                  <m:oMath xmlns:m="http://schemas.openxmlformats.org/officeDocument/2006/math">
+                    <m:sSub>
+                      <m:sSubPr>
+                        <m:ctrlPr>
+                          <a:rPr lang="en-US" b="0" i="1" dirty="0" smtClean="0">
+                            <a:latin typeface="Cambria Math" panose="02040503050406030204" pitchFamily="18" charset="0"/>
+                          </a:rPr>
+                        </m:ctrlPr>
+                      </m:sSubPr>
+                      <m:e>
+                        <m:r>
+                          <a:rPr lang="en-US" b="0" i="1" dirty="0" smtClean="0">
+                            <a:latin typeface="Cambria Math" panose="02040503050406030204" pitchFamily="18" charset="0"/>
+                          </a:rPr>
+                          <m:t>𝛼</m:t>
+                        </m:r>
+                      </m:e>
+                      <m:sub>
+                        <m:r>
+                          <a:rPr lang="en-US" b="0" i="1" dirty="0" smtClean="0">
+                            <a:latin typeface="Cambria Math" panose="02040503050406030204" pitchFamily="18" charset="0"/>
+                          </a:rPr>
+                          <m:t>2</m:t>
+                        </m:r>
+                      </m:sub>
+                    </m:sSub>
+                    <m:d>
+                      <m:dPr>
+                        <m:begChr m:val="["/>
+                        <m:endChr m:val="]"/>
+                        <m:ctrlPr>
+                          <a:rPr lang="en-US" b="0" i="1" dirty="0" smtClean="0">
+                            <a:latin typeface="Cambria Math" panose="02040503050406030204" pitchFamily="18" charset="0"/>
+                          </a:rPr>
+                        </m:ctrlPr>
+                      </m:dPr>
+                      <m:e>
+                        <m:r>
+                          <a:rPr lang="en-US" b="0" i="1" dirty="0" smtClean="0">
+                            <a:latin typeface="Cambria Math" panose="02040503050406030204" pitchFamily="18" charset="0"/>
+                          </a:rPr>
+                          <m:t>−</m:t>
+                        </m:r>
+                        <m:sSub>
+                          <m:sSubPr>
+                            <m:ctrlPr>
+                              <a:rPr lang="en-US" b="0" i="1" dirty="0" smtClean="0">
+                                <a:latin typeface="Cambria Math" panose="02040503050406030204" pitchFamily="18" charset="0"/>
+                              </a:rPr>
+                            </m:ctrlPr>
+                          </m:sSubPr>
+                          <m:e>
+                            <m:r>
+                              <a:rPr lang="en-US" b="0" i="1" dirty="0" smtClean="0">
+                                <a:latin typeface="Cambria Math" panose="02040503050406030204" pitchFamily="18" charset="0"/>
+                              </a:rPr>
+                              <m:t>𝑤</m:t>
+                            </m:r>
+                          </m:e>
+                          <m:sub>
+                            <m:r>
+                              <a:rPr lang="en-US" b="0" i="1" dirty="0" smtClean="0">
+                                <a:latin typeface="Cambria Math" panose="02040503050406030204" pitchFamily="18" charset="0"/>
+                              </a:rPr>
+                              <m:t>1</m:t>
+                            </m:r>
+                          </m:sub>
+                        </m:sSub>
+                        <m:r>
+                          <a:rPr lang="en-US" b="0" i="1" dirty="0" smtClean="0">
+                            <a:latin typeface="Cambria Math" panose="02040503050406030204" pitchFamily="18" charset="0"/>
+                          </a:rPr>
+                          <m:t>+2</m:t>
+                        </m:r>
+                        <m:sSub>
+                          <m:sSubPr>
+                            <m:ctrlPr>
+                              <a:rPr lang="en-US" b="0" i="1" dirty="0" smtClean="0">
+                                <a:latin typeface="Cambria Math" panose="02040503050406030204" pitchFamily="18" charset="0"/>
+                              </a:rPr>
+                            </m:ctrlPr>
+                          </m:sSubPr>
+                          <m:e>
+                            <m:r>
+                              <a:rPr lang="en-US" b="0" i="1" dirty="0" smtClean="0">
+                                <a:latin typeface="Cambria Math" panose="02040503050406030204" pitchFamily="18" charset="0"/>
+                              </a:rPr>
+                              <m:t>𝑤</m:t>
+                            </m:r>
+                          </m:e>
+                          <m:sub>
+                            <m:r>
+                              <a:rPr lang="en-US" b="0" i="1" dirty="0" smtClean="0">
+                                <a:latin typeface="Cambria Math" panose="02040503050406030204" pitchFamily="18" charset="0"/>
+                              </a:rPr>
+                              <m:t>2</m:t>
+                            </m:r>
+                          </m:sub>
+                        </m:sSub>
+                      </m:e>
+                    </m:d>
+                    <m:r>
+                      <a:rPr lang="en-US" b="0" i="1" dirty="0" smtClean="0">
+                        <a:latin typeface="Cambria Math" panose="02040503050406030204" pitchFamily="18" charset="0"/>
+                      </a:rPr>
+                      <m:t> </m:t>
+                    </m:r>
+                  </m:oMath>
+                </a14:m>
+                <a:r>
+                  <a:rPr lang="en-US" dirty="0" smtClean="0"/>
+                  <a:t>+    </a:t>
+                </a:r>
+                <a14:m>
+                  <m:oMath xmlns:m="http://schemas.openxmlformats.org/officeDocument/2006/math">
+                    <m:sSub>
+                      <m:sSubPr>
+                        <m:ctrlPr>
+                          <a:rPr lang="en-US" b="0" i="1" dirty="0" smtClean="0">
+                            <a:latin typeface="Cambria Math" panose="02040503050406030204" pitchFamily="18" charset="0"/>
+                          </a:rPr>
+                        </m:ctrlPr>
+                      </m:sSubPr>
+                      <m:e>
+                        <m:r>
+                          <a:rPr lang="en-US" b="0" i="1" dirty="0" smtClean="0">
+                            <a:latin typeface="Cambria Math" panose="02040503050406030204" pitchFamily="18" charset="0"/>
+                          </a:rPr>
+                          <m:t>𝛼</m:t>
+                        </m:r>
+                      </m:e>
+                      <m:sub>
+                        <m:r>
+                          <a:rPr lang="en-US" b="0" i="1" dirty="0" smtClean="0">
+                            <a:latin typeface="Cambria Math" panose="02040503050406030204" pitchFamily="18" charset="0"/>
+                          </a:rPr>
+                          <m:t>3</m:t>
+                        </m:r>
+                      </m:sub>
+                    </m:sSub>
+                    <m:d>
+                      <m:dPr>
+                        <m:begChr m:val="["/>
+                        <m:endChr m:val="]"/>
+                        <m:ctrlPr>
+                          <a:rPr lang="en-US" b="0" i="1" dirty="0" smtClean="0">
+                            <a:latin typeface="Cambria Math" panose="02040503050406030204" pitchFamily="18" charset="0"/>
+                          </a:rPr>
+                        </m:ctrlPr>
+                      </m:dPr>
+                      <m:e>
+                        <m:r>
+                          <a:rPr lang="en-US" b="0" i="1" dirty="0" smtClean="0">
+                            <a:latin typeface="Cambria Math" panose="02040503050406030204" pitchFamily="18" charset="0"/>
+                          </a:rPr>
+                          <m:t>−1 −2</m:t>
                         </m:r>
                       </m:e>
                     </m:d>
@@ -8583,6 +9358,12 @@
                           <a:rPr lang="en-US" b="0" i="1" dirty="0" smtClean="0">
                             <a:latin typeface="Cambria Math" panose="02040503050406030204" pitchFamily="18" charset="0"/>
                           </a:rPr>
+                          <m:t> </m:t>
+                        </m:r>
+                        <m:r>
+                          <a:rPr lang="en-US" b="0" i="1" dirty="0" smtClean="0">
+                            <a:latin typeface="Cambria Math" panose="02040503050406030204" pitchFamily="18" charset="0"/>
+                          </a:rPr>
                           <m:t>𝛼</m:t>
                         </m:r>
                       </m:e>
@@ -8664,773 +9445,7 @@
             </p:txBody>
           </p:sp>
         </mc:Choice>
-        <mc:Fallback>
-          <p:sp>
-            <p:nvSpPr>
-              <p:cNvPr id="11" name="TextBox 10"/>
-              <p:cNvSpPr txBox="1">
-                <a:spLocks noRot="1" noChangeAspect="1" noMove="1" noResize="1" noEditPoints="1" noAdjustHandles="1" noChangeArrowheads="1" noChangeShapeType="1" noTextEdit="1"/>
-              </p:cNvSpPr>
-              <p:nvPr/>
-            </p:nvSpPr>
-            <p:spPr>
-              <a:xfrm>
-                <a:off x="546736" y="2794742"/>
-                <a:ext cx="7621904" cy="736292"/>
-              </a:xfrm>
-              <a:prstGeom prst="rect">
-                <a:avLst/>
-              </a:prstGeom>
-              <a:blipFill>
-                <a:blip r:embed="rId5"/>
-                <a:stretch>
-                  <a:fillRect b="-19008"/>
-                </a:stretch>
-              </a:blipFill>
-            </p:spPr>
-            <p:txBody>
-              <a:bodyPr/>
-              <a:lstStyle/>
-              <a:p>
-                <a:r>
-                  <a:rPr lang="en-US">
-                    <a:noFill/>
-                  </a:rPr>
-                  <a:t> </a:t>
-                </a:r>
-              </a:p>
-            </p:txBody>
-          </p:sp>
-        </mc:Fallback>
-      </mc:AlternateContent>
-      <mc:AlternateContent xmlns:mc="http://schemas.openxmlformats.org/markup-compatibility/2006">
-        <mc:Choice xmlns:a14="http://schemas.microsoft.com/office/drawing/2010/main" Requires="a14">
-          <p:sp>
-            <p:nvSpPr>
-              <p:cNvPr id="4" name="TextBox 3"/>
-              <p:cNvSpPr txBox="1"/>
-              <p:nvPr/>
-            </p:nvSpPr>
-            <p:spPr>
-              <a:xfrm>
-                <a:off x="1541418" y="4049486"/>
-                <a:ext cx="5782492" cy="942759"/>
-              </a:xfrm>
-              <a:prstGeom prst="rect">
-                <a:avLst/>
-              </a:prstGeom>
-              <a:noFill/>
-            </p:spPr>
-            <p:txBody>
-              <a:bodyPr wrap="square" rtlCol="0">
-                <a:spAutoFit/>
-              </a:bodyPr>
-              <a:lstStyle/>
-              <a:p>
-                <a:r>
-                  <a:rPr lang="en-US" dirty="0" smtClean="0"/>
-                  <a:t>= </a:t>
-                </a:r>
-                <a14:m>
-                  <m:oMath xmlns:m="http://schemas.openxmlformats.org/officeDocument/2006/math">
-                    <m:f>
-                      <m:fPr>
-                        <m:ctrlPr>
-                          <a:rPr lang="en-US" i="1" dirty="0" smtClean="0">
-                            <a:latin typeface="Cambria Math" panose="02040503050406030204" pitchFamily="18" charset="0"/>
-                          </a:rPr>
-                        </m:ctrlPr>
-                      </m:fPr>
-                      <m:num>
-                        <m:r>
-                          <a:rPr lang="en-US" dirty="0">
-                            <a:latin typeface="Cambria Math" panose="02040503050406030204" pitchFamily="18" charset="0"/>
-                          </a:rPr>
-                          <m:t>1</m:t>
-                        </m:r>
-                      </m:num>
-                      <m:den>
-                        <m:r>
-                          <a:rPr lang="en-US" i="0" dirty="0">
-                            <a:latin typeface="Cambria Math" panose="02040503050406030204" pitchFamily="18" charset="0"/>
-                          </a:rPr>
-                          <m:t>2</m:t>
-                        </m:r>
-                      </m:den>
-                    </m:f>
-                    <m:d>
-                      <m:dPr>
-                        <m:begChr m:val="["/>
-                        <m:endChr m:val="]"/>
-                        <m:ctrlPr>
-                          <a:rPr lang="en-US" b="0" i="1" dirty="0" smtClean="0">
-                            <a:latin typeface="Cambria Math" panose="02040503050406030204" pitchFamily="18" charset="0"/>
-                          </a:rPr>
-                        </m:ctrlPr>
-                      </m:dPr>
-                      <m:e>
-                        <m:sSubSup>
-                          <m:sSubSupPr>
-                            <m:ctrlPr>
-                              <a:rPr lang="en-US" b="0" i="1" dirty="0" smtClean="0">
-                                <a:latin typeface="Cambria Math" panose="02040503050406030204" pitchFamily="18" charset="0"/>
-                              </a:rPr>
-                            </m:ctrlPr>
-                          </m:sSubSupPr>
-                          <m:e>
-                            <m:r>
-                              <a:rPr lang="en-US" b="0" i="1" dirty="0" smtClean="0">
-                                <a:latin typeface="Cambria Math" panose="02040503050406030204" pitchFamily="18" charset="0"/>
-                              </a:rPr>
-                              <m:t>𝑤</m:t>
-                            </m:r>
-                          </m:e>
-                          <m:sub>
-                            <m:r>
-                              <a:rPr lang="en-US" b="0" i="1" dirty="0" smtClean="0">
-                                <a:latin typeface="Cambria Math" panose="02040503050406030204" pitchFamily="18" charset="0"/>
-                              </a:rPr>
-                              <m:t>1</m:t>
-                            </m:r>
-                          </m:sub>
-                          <m:sup>
-                            <m:r>
-                              <a:rPr lang="en-US" b="0" i="1" dirty="0" smtClean="0">
-                                <a:latin typeface="Cambria Math" panose="02040503050406030204" pitchFamily="18" charset="0"/>
-                              </a:rPr>
-                              <m:t>2</m:t>
-                            </m:r>
-                          </m:sup>
-                        </m:sSubSup>
-                        <m:r>
-                          <a:rPr lang="en-US" b="0" i="1" dirty="0" smtClean="0">
-                            <a:latin typeface="Cambria Math" panose="02040503050406030204" pitchFamily="18" charset="0"/>
-                          </a:rPr>
-                          <m:t>+</m:t>
-                        </m:r>
-                        <m:sSubSup>
-                          <m:sSubSupPr>
-                            <m:ctrlPr>
-                              <a:rPr lang="en-US" b="0" i="1" dirty="0" smtClean="0">
-                                <a:latin typeface="Cambria Math" panose="02040503050406030204" pitchFamily="18" charset="0"/>
-                              </a:rPr>
-                            </m:ctrlPr>
-                          </m:sSubSupPr>
-                          <m:e>
-                            <m:r>
-                              <a:rPr lang="en-US" b="0" i="1" dirty="0" smtClean="0">
-                                <a:latin typeface="Cambria Math" panose="02040503050406030204" pitchFamily="18" charset="0"/>
-                              </a:rPr>
-                              <m:t>𝑤</m:t>
-                            </m:r>
-                          </m:e>
-                          <m:sub>
-                            <m:r>
-                              <a:rPr lang="en-US" b="0" i="1" dirty="0" smtClean="0">
-                                <a:latin typeface="Cambria Math" panose="02040503050406030204" pitchFamily="18" charset="0"/>
-                              </a:rPr>
-                              <m:t>2</m:t>
-                            </m:r>
-                          </m:sub>
-                          <m:sup>
-                            <m:r>
-                              <a:rPr lang="en-US" b="0" i="1" dirty="0" smtClean="0">
-                                <a:latin typeface="Cambria Math" panose="02040503050406030204" pitchFamily="18" charset="0"/>
-                              </a:rPr>
-                              <m:t>2</m:t>
-                            </m:r>
-                          </m:sup>
-                        </m:sSubSup>
-                      </m:e>
-                    </m:d>
-                    <m:r>
-                      <a:rPr lang="en-US" b="0" i="1" dirty="0" smtClean="0">
-                        <a:latin typeface="Cambria Math" panose="02040503050406030204" pitchFamily="18" charset="0"/>
-                      </a:rPr>
-                      <m:t>+</m:t>
-                    </m:r>
-                    <m:sSub>
-                      <m:sSubPr>
-                        <m:ctrlPr>
-                          <a:rPr lang="en-US" b="0" i="1" dirty="0" smtClean="0">
-                            <a:latin typeface="Cambria Math" panose="02040503050406030204" pitchFamily="18" charset="0"/>
-                          </a:rPr>
-                        </m:ctrlPr>
-                      </m:sSubPr>
-                      <m:e>
-                        <m:r>
-                          <a:rPr lang="en-US" b="0" i="1" dirty="0" smtClean="0">
-                            <a:latin typeface="Cambria Math" panose="02040503050406030204" pitchFamily="18" charset="0"/>
-                          </a:rPr>
-                          <m:t>𝛼</m:t>
-                        </m:r>
-                      </m:e>
-                      <m:sub>
-                        <m:r>
-                          <a:rPr lang="en-US" b="0" i="1" dirty="0" smtClean="0">
-                            <a:latin typeface="Cambria Math" panose="02040503050406030204" pitchFamily="18" charset="0"/>
-                          </a:rPr>
-                          <m:t>1</m:t>
-                        </m:r>
-                      </m:sub>
-                    </m:sSub>
-                    <m:d>
-                      <m:dPr>
-                        <m:begChr m:val="["/>
-                        <m:endChr m:val="]"/>
-                        <m:ctrlPr>
-                          <a:rPr lang="en-US" b="0" i="1" dirty="0" smtClean="0">
-                            <a:latin typeface="Cambria Math" panose="02040503050406030204" pitchFamily="18" charset="0"/>
-                          </a:rPr>
-                        </m:ctrlPr>
-                      </m:dPr>
-                      <m:e>
-                        <m:sSub>
-                          <m:sSubPr>
-                            <m:ctrlPr>
-                              <a:rPr lang="en-US" b="0" i="1" dirty="0" smtClean="0">
-                                <a:latin typeface="Cambria Math" panose="02040503050406030204" pitchFamily="18" charset="0"/>
-                              </a:rPr>
-                            </m:ctrlPr>
-                          </m:sSubPr>
-                          <m:e>
-                            <m:r>
-                              <a:rPr lang="en-US" b="0" i="1" dirty="0" smtClean="0">
-                                <a:latin typeface="Cambria Math" panose="02040503050406030204" pitchFamily="18" charset="0"/>
-                              </a:rPr>
-                              <m:t>𝑤</m:t>
-                            </m:r>
-                          </m:e>
-                          <m:sub>
-                            <m:r>
-                              <a:rPr lang="en-US" b="0" i="1" dirty="0" smtClean="0">
-                                <a:latin typeface="Cambria Math" panose="02040503050406030204" pitchFamily="18" charset="0"/>
-                              </a:rPr>
-                              <m:t>1</m:t>
-                            </m:r>
-                          </m:sub>
-                        </m:sSub>
-                        <m:r>
-                          <a:rPr lang="en-US" b="0" i="1" dirty="0" smtClean="0">
-                            <a:latin typeface="Cambria Math" panose="02040503050406030204" pitchFamily="18" charset="0"/>
-                          </a:rPr>
-                          <m:t>+</m:t>
-                        </m:r>
-                        <m:r>
-                          <a:rPr lang="en-US" b="0" i="1" dirty="0" smtClean="0">
-                            <a:latin typeface="Cambria Math" panose="02040503050406030204" pitchFamily="18" charset="0"/>
-                          </a:rPr>
-                          <m:t>2</m:t>
-                        </m:r>
-                        <m:sSub>
-                          <m:sSubPr>
-                            <m:ctrlPr>
-                              <a:rPr lang="en-US" b="0" i="1" dirty="0" smtClean="0">
-                                <a:latin typeface="Cambria Math" panose="02040503050406030204" pitchFamily="18" charset="0"/>
-                              </a:rPr>
-                            </m:ctrlPr>
-                          </m:sSubPr>
-                          <m:e>
-                            <m:r>
-                              <a:rPr lang="en-US" b="0" i="1" dirty="0" smtClean="0">
-                                <a:latin typeface="Cambria Math" panose="02040503050406030204" pitchFamily="18" charset="0"/>
-                              </a:rPr>
-                              <m:t>𝑤</m:t>
-                            </m:r>
-                          </m:e>
-                          <m:sub>
-                            <m:r>
-                              <a:rPr lang="en-US" b="0" i="1" dirty="0" smtClean="0">
-                                <a:latin typeface="Cambria Math" panose="02040503050406030204" pitchFamily="18" charset="0"/>
-                              </a:rPr>
-                              <m:t>2</m:t>
-                            </m:r>
-                          </m:sub>
-                        </m:sSub>
-                      </m:e>
-                    </m:d>
-                  </m:oMath>
-                </a14:m>
-                <a:r>
-                  <a:rPr lang="en-US" dirty="0" smtClean="0"/>
-                  <a:t> + </a:t>
-                </a:r>
-                <a14:m>
-                  <m:oMath xmlns:m="http://schemas.openxmlformats.org/officeDocument/2006/math">
-                    <m:sSub>
-                      <m:sSubPr>
-                        <m:ctrlPr>
-                          <a:rPr lang="en-US" b="0" i="1" dirty="0" smtClean="0">
-                            <a:latin typeface="Cambria Math" panose="02040503050406030204" pitchFamily="18" charset="0"/>
-                          </a:rPr>
-                        </m:ctrlPr>
-                      </m:sSubPr>
-                      <m:e>
-                        <m:r>
-                          <a:rPr lang="en-US" b="0" i="1" dirty="0" smtClean="0">
-                            <a:latin typeface="Cambria Math" panose="02040503050406030204" pitchFamily="18" charset="0"/>
-                          </a:rPr>
-                          <m:t>𝛼</m:t>
-                        </m:r>
-                      </m:e>
-                      <m:sub>
-                        <m:r>
-                          <a:rPr lang="en-US" b="0" i="1" dirty="0" smtClean="0">
-                            <a:latin typeface="Cambria Math" panose="02040503050406030204" pitchFamily="18" charset="0"/>
-                          </a:rPr>
-                          <m:t>2</m:t>
-                        </m:r>
-                      </m:sub>
-                    </m:sSub>
-                    <m:d>
-                      <m:dPr>
-                        <m:begChr m:val="["/>
-                        <m:endChr m:val="]"/>
-                        <m:ctrlPr>
-                          <a:rPr lang="en-US" b="0" i="1" dirty="0" smtClean="0">
-                            <a:latin typeface="Cambria Math" panose="02040503050406030204" pitchFamily="18" charset="0"/>
-                          </a:rPr>
-                        </m:ctrlPr>
-                      </m:dPr>
-                      <m:e>
-                        <m:r>
-                          <a:rPr lang="en-US" b="0" i="1" dirty="0" smtClean="0">
-                            <a:latin typeface="Cambria Math" panose="02040503050406030204" pitchFamily="18" charset="0"/>
-                          </a:rPr>
-                          <m:t>−</m:t>
-                        </m:r>
-                        <m:sSub>
-                          <m:sSubPr>
-                            <m:ctrlPr>
-                              <a:rPr lang="en-US" b="0" i="1" dirty="0" smtClean="0">
-                                <a:latin typeface="Cambria Math" panose="02040503050406030204" pitchFamily="18" charset="0"/>
-                              </a:rPr>
-                            </m:ctrlPr>
-                          </m:sSubPr>
-                          <m:e>
-                            <m:r>
-                              <a:rPr lang="en-US" b="0" i="1" dirty="0" smtClean="0">
-                                <a:latin typeface="Cambria Math" panose="02040503050406030204" pitchFamily="18" charset="0"/>
-                              </a:rPr>
-                              <m:t>𝑤</m:t>
-                            </m:r>
-                          </m:e>
-                          <m:sub>
-                            <m:r>
-                              <a:rPr lang="en-US" b="0" i="1" dirty="0" smtClean="0">
-                                <a:latin typeface="Cambria Math" panose="02040503050406030204" pitchFamily="18" charset="0"/>
-                              </a:rPr>
-                              <m:t>1</m:t>
-                            </m:r>
-                          </m:sub>
-                        </m:sSub>
-                        <m:r>
-                          <a:rPr lang="en-US" b="0" i="1" dirty="0" smtClean="0">
-                            <a:latin typeface="Cambria Math" panose="02040503050406030204" pitchFamily="18" charset="0"/>
-                          </a:rPr>
-                          <m:t>+</m:t>
-                        </m:r>
-                        <m:r>
-                          <a:rPr lang="en-US" b="0" i="1" dirty="0" smtClean="0">
-                            <a:latin typeface="Cambria Math" panose="02040503050406030204" pitchFamily="18" charset="0"/>
-                          </a:rPr>
-                          <m:t>2</m:t>
-                        </m:r>
-                        <m:sSub>
-                          <m:sSubPr>
-                            <m:ctrlPr>
-                              <a:rPr lang="en-US" b="0" i="1" dirty="0" smtClean="0">
-                                <a:latin typeface="Cambria Math" panose="02040503050406030204" pitchFamily="18" charset="0"/>
-                              </a:rPr>
-                            </m:ctrlPr>
-                          </m:sSubPr>
-                          <m:e>
-                            <m:r>
-                              <a:rPr lang="en-US" b="0" i="1" dirty="0" smtClean="0">
-                                <a:latin typeface="Cambria Math" panose="02040503050406030204" pitchFamily="18" charset="0"/>
-                              </a:rPr>
-                              <m:t>𝑤</m:t>
-                            </m:r>
-                          </m:e>
-                          <m:sub>
-                            <m:r>
-                              <a:rPr lang="en-US" b="0" i="1" dirty="0" smtClean="0">
-                                <a:latin typeface="Cambria Math" panose="02040503050406030204" pitchFamily="18" charset="0"/>
-                              </a:rPr>
-                              <m:t>2</m:t>
-                            </m:r>
-                          </m:sub>
-                        </m:sSub>
-                      </m:e>
-                    </m:d>
-                    <m:r>
-                      <a:rPr lang="en-US" b="0" i="1" dirty="0" smtClean="0">
-                        <a:latin typeface="Cambria Math" panose="02040503050406030204" pitchFamily="18" charset="0"/>
-                      </a:rPr>
-                      <m:t> </m:t>
-                    </m:r>
-                  </m:oMath>
-                </a14:m>
-                <a:r>
-                  <a:rPr lang="en-US" dirty="0" smtClean="0"/>
-                  <a:t>+    </a:t>
-                </a:r>
-                <a14:m>
-                  <m:oMath xmlns:m="http://schemas.openxmlformats.org/officeDocument/2006/math">
-                    <m:sSub>
-                      <m:sSubPr>
-                        <m:ctrlPr>
-                          <a:rPr lang="en-US" b="0" i="1" dirty="0" smtClean="0">
-                            <a:latin typeface="Cambria Math" panose="02040503050406030204" pitchFamily="18" charset="0"/>
-                          </a:rPr>
-                        </m:ctrlPr>
-                      </m:sSubPr>
-                      <m:e>
-                        <m:r>
-                          <a:rPr lang="en-US" b="0" i="1" dirty="0" smtClean="0">
-                            <a:latin typeface="Cambria Math" panose="02040503050406030204" pitchFamily="18" charset="0"/>
-                          </a:rPr>
-                          <m:t>𝛼</m:t>
-                        </m:r>
-                      </m:e>
-                      <m:sub>
-                        <m:r>
-                          <a:rPr lang="en-US" b="0" i="1" dirty="0" smtClean="0">
-                            <a:latin typeface="Cambria Math" panose="02040503050406030204" pitchFamily="18" charset="0"/>
-                          </a:rPr>
-                          <m:t>3</m:t>
-                        </m:r>
-                      </m:sub>
-                    </m:sSub>
-                    <m:d>
-                      <m:dPr>
-                        <m:begChr m:val="["/>
-                        <m:endChr m:val="]"/>
-                        <m:ctrlPr>
-                          <a:rPr lang="en-US" b="0" i="1" dirty="0" smtClean="0">
-                            <a:latin typeface="Cambria Math" panose="02040503050406030204" pitchFamily="18" charset="0"/>
-                          </a:rPr>
-                        </m:ctrlPr>
-                      </m:dPr>
-                      <m:e>
-                        <m:r>
-                          <a:rPr lang="en-US" b="0" i="1" dirty="0" smtClean="0">
-                            <a:latin typeface="Cambria Math" panose="02040503050406030204" pitchFamily="18" charset="0"/>
-                          </a:rPr>
-                          <m:t>−1 −2</m:t>
-                        </m:r>
-                      </m:e>
-                    </m:d>
-                    <m:r>
-                      <a:rPr lang="en-US" b="0" i="1" dirty="0" smtClean="0">
-                        <a:latin typeface="Cambria Math" panose="02040503050406030204" pitchFamily="18" charset="0"/>
-                      </a:rPr>
-                      <m:t> </m:t>
-                    </m:r>
-                    <m:d>
-                      <m:dPr>
-                        <m:begChr m:val="["/>
-                        <m:endChr m:val="]"/>
-                        <m:ctrlPr>
-                          <a:rPr lang="en-US" b="0" i="1" dirty="0" smtClean="0">
-                            <a:latin typeface="Cambria Math" panose="02040503050406030204" pitchFamily="18" charset="0"/>
-                          </a:rPr>
-                        </m:ctrlPr>
-                      </m:dPr>
-                      <m:e>
-                        <m:m>
-                          <m:mPr>
-                            <m:mcs>
-                              <m:mc>
-                                <m:mcPr>
-                                  <m:count m:val="1"/>
-                                  <m:mcJc m:val="center"/>
-                                </m:mcPr>
-                              </m:mc>
-                            </m:mcs>
-                            <m:ctrlPr>
-                              <a:rPr lang="en-US" b="0" i="1" dirty="0" smtClean="0">
-                                <a:latin typeface="Cambria Math" panose="02040503050406030204" pitchFamily="18" charset="0"/>
-                              </a:rPr>
-                            </m:ctrlPr>
-                          </m:mPr>
-                          <m:mr>
-                            <m:e>
-                              <m:sSub>
-                                <m:sSubPr>
-                                  <m:ctrlPr>
-                                    <a:rPr lang="en-US" b="0" i="1" dirty="0" smtClean="0">
-                                      <a:latin typeface="Cambria Math" panose="02040503050406030204" pitchFamily="18" charset="0"/>
-                                    </a:rPr>
-                                  </m:ctrlPr>
-                                </m:sSubPr>
-                                <m:e>
-                                  <m:r>
-                                    <a:rPr lang="en-US" b="0" i="1" dirty="0" smtClean="0">
-                                      <a:latin typeface="Cambria Math" panose="02040503050406030204" pitchFamily="18" charset="0"/>
-                                    </a:rPr>
-                                    <m:t>𝑤</m:t>
-                                  </m:r>
-                                </m:e>
-                                <m:sub>
-                                  <m:r>
-                                    <a:rPr lang="en-US" b="0" i="1" dirty="0" smtClean="0">
-                                      <a:latin typeface="Cambria Math" panose="02040503050406030204" pitchFamily="18" charset="0"/>
-                                    </a:rPr>
-                                    <m:t>1</m:t>
-                                  </m:r>
-                                </m:sub>
-                              </m:sSub>
-                            </m:e>
-                          </m:mr>
-                          <m:mr>
-                            <m:e>
-                              <m:sSub>
-                                <m:sSubPr>
-                                  <m:ctrlPr>
-                                    <a:rPr lang="en-US" b="0" i="1" dirty="0" smtClean="0">
-                                      <a:latin typeface="Cambria Math" panose="02040503050406030204" pitchFamily="18" charset="0"/>
-                                    </a:rPr>
-                                  </m:ctrlPr>
-                                </m:sSubPr>
-                                <m:e>
-                                  <m:r>
-                                    <a:rPr lang="en-US" b="0" i="1" dirty="0" smtClean="0">
-                                      <a:latin typeface="Cambria Math" panose="02040503050406030204" pitchFamily="18" charset="0"/>
-                                    </a:rPr>
-                                    <m:t>𝑤</m:t>
-                                  </m:r>
-                                </m:e>
-                                <m:sub>
-                                  <m:r>
-                                    <a:rPr lang="en-US" b="0" i="1" dirty="0" smtClean="0">
-                                      <a:latin typeface="Cambria Math" panose="02040503050406030204" pitchFamily="18" charset="0"/>
-                                    </a:rPr>
-                                    <m:t>2</m:t>
-                                  </m:r>
-                                </m:sub>
-                              </m:sSub>
-                            </m:e>
-                          </m:mr>
-                        </m:m>
-                      </m:e>
-                    </m:d>
-                  </m:oMath>
-                </a14:m>
-                <a:r>
-                  <a:rPr lang="en-US" dirty="0" smtClean="0"/>
-                  <a:t> 	+  b(</a:t>
-                </a:r>
-                <a14:m>
-                  <m:oMath xmlns:m="http://schemas.openxmlformats.org/officeDocument/2006/math">
-                    <m:sSub>
-                      <m:sSubPr>
-                        <m:ctrlPr>
-                          <a:rPr lang="en-US" b="0" i="1" dirty="0" smtClean="0">
-                            <a:latin typeface="Cambria Math" panose="02040503050406030204" pitchFamily="18" charset="0"/>
-                          </a:rPr>
-                        </m:ctrlPr>
-                      </m:sSubPr>
-                      <m:e>
-                        <m:r>
-                          <a:rPr lang="en-US" b="0" i="1" dirty="0" smtClean="0">
-                            <a:latin typeface="Cambria Math" panose="02040503050406030204" pitchFamily="18" charset="0"/>
-                          </a:rPr>
-                          <m:t>−</m:t>
-                        </m:r>
-                        <m:r>
-                          <a:rPr lang="en-US" b="0" i="1" dirty="0" smtClean="0">
-                            <a:latin typeface="Cambria Math" panose="02040503050406030204" pitchFamily="18" charset="0"/>
-                          </a:rPr>
-                          <m:t>𝛼</m:t>
-                        </m:r>
-                      </m:e>
-                      <m:sub>
-                        <m:r>
-                          <a:rPr lang="en-US" b="0" i="1" dirty="0" smtClean="0">
-                            <a:latin typeface="Cambria Math" panose="02040503050406030204" pitchFamily="18" charset="0"/>
-                          </a:rPr>
-                          <m:t>1</m:t>
-                        </m:r>
-                      </m:sub>
-                    </m:sSub>
-                    <m:r>
-                      <a:rPr lang="en-US" b="0" i="1" dirty="0" smtClean="0">
-                        <a:latin typeface="Cambria Math" panose="02040503050406030204" pitchFamily="18" charset="0"/>
-                      </a:rPr>
-                      <m:t>−</m:t>
-                    </m:r>
-                    <m:sSub>
-                      <m:sSubPr>
-                        <m:ctrlPr>
-                          <a:rPr lang="en-US" b="0" i="1" dirty="0" smtClean="0">
-                            <a:latin typeface="Cambria Math" panose="02040503050406030204" pitchFamily="18" charset="0"/>
-                          </a:rPr>
-                        </m:ctrlPr>
-                      </m:sSubPr>
-                      <m:e>
-                        <m:r>
-                          <a:rPr lang="en-US" b="0" i="1" dirty="0" smtClean="0">
-                            <a:latin typeface="Cambria Math" panose="02040503050406030204" pitchFamily="18" charset="0"/>
-                          </a:rPr>
-                          <m:t>𝛼</m:t>
-                        </m:r>
-                      </m:e>
-                      <m:sub>
-                        <m:r>
-                          <a:rPr lang="en-US" b="0" i="1" dirty="0" smtClean="0">
-                            <a:latin typeface="Cambria Math" panose="02040503050406030204" pitchFamily="18" charset="0"/>
-                          </a:rPr>
-                          <m:t>2</m:t>
-                        </m:r>
-                      </m:sub>
-                    </m:sSub>
-                    <m:r>
-                      <a:rPr lang="en-US" b="0" i="1" dirty="0" smtClean="0">
-                        <a:latin typeface="Cambria Math" panose="02040503050406030204" pitchFamily="18" charset="0"/>
-                      </a:rPr>
-                      <m:t>+</m:t>
-                    </m:r>
-                    <m:sSub>
-                      <m:sSubPr>
-                        <m:ctrlPr>
-                          <a:rPr lang="en-US" b="0" i="1" dirty="0" smtClean="0">
-                            <a:latin typeface="Cambria Math" panose="02040503050406030204" pitchFamily="18" charset="0"/>
-                          </a:rPr>
-                        </m:ctrlPr>
-                      </m:sSubPr>
-                      <m:e>
-                        <m:r>
-                          <a:rPr lang="en-US" b="0" i="1" dirty="0" smtClean="0">
-                            <a:latin typeface="Cambria Math" panose="02040503050406030204" pitchFamily="18" charset="0"/>
-                          </a:rPr>
-                          <m:t>𝛼</m:t>
-                        </m:r>
-                      </m:e>
-                      <m:sub>
-                        <m:r>
-                          <a:rPr lang="en-US" b="0" i="1" dirty="0" smtClean="0">
-                            <a:latin typeface="Cambria Math" panose="02040503050406030204" pitchFamily="18" charset="0"/>
-                          </a:rPr>
-                          <m:t>3</m:t>
-                        </m:r>
-                      </m:sub>
-                    </m:sSub>
-                    <m:r>
-                      <a:rPr lang="en-US" b="0" i="1" dirty="0" smtClean="0">
-                        <a:latin typeface="Cambria Math" panose="02040503050406030204" pitchFamily="18" charset="0"/>
-                      </a:rPr>
-                      <m:t>)</m:t>
-                    </m:r>
-                  </m:oMath>
-                </a14:m>
-                <a:r>
-                  <a:rPr lang="en-US" dirty="0" smtClean="0"/>
-                  <a:t> +</a:t>
-                </a:r>
-                <a14:m>
-                  <m:oMath xmlns:m="http://schemas.openxmlformats.org/officeDocument/2006/math">
-                    <m:sSub>
-                      <m:sSubPr>
-                        <m:ctrlPr>
-                          <a:rPr lang="en-US" b="0" i="1" dirty="0" smtClean="0">
-                            <a:latin typeface="Cambria Math" panose="02040503050406030204" pitchFamily="18" charset="0"/>
-                          </a:rPr>
-                        </m:ctrlPr>
-                      </m:sSubPr>
-                      <m:e>
-                        <m:r>
-                          <a:rPr lang="en-US" b="0" i="1" dirty="0" smtClean="0">
-                            <a:latin typeface="Cambria Math" panose="02040503050406030204" pitchFamily="18" charset="0"/>
-                          </a:rPr>
-                          <m:t> </m:t>
-                        </m:r>
-                        <m:r>
-                          <a:rPr lang="en-US" b="0" i="1" dirty="0" smtClean="0">
-                            <a:latin typeface="Cambria Math" panose="02040503050406030204" pitchFamily="18" charset="0"/>
-                          </a:rPr>
-                          <m:t>𝛼</m:t>
-                        </m:r>
-                      </m:e>
-                      <m:sub>
-                        <m:r>
-                          <a:rPr lang="en-US" b="0" i="1" dirty="0" smtClean="0">
-                            <a:latin typeface="Cambria Math" panose="02040503050406030204" pitchFamily="18" charset="0"/>
-                          </a:rPr>
-                          <m:t>1</m:t>
-                        </m:r>
-                      </m:sub>
-                    </m:sSub>
-                    <m:r>
-                      <a:rPr lang="en-US" b="0" i="1" dirty="0" smtClean="0">
-                        <a:latin typeface="Cambria Math" panose="02040503050406030204" pitchFamily="18" charset="0"/>
-                      </a:rPr>
-                      <m:t>+</m:t>
-                    </m:r>
-                    <m:sSub>
-                      <m:sSubPr>
-                        <m:ctrlPr>
-                          <a:rPr lang="en-US" b="0" i="1" dirty="0" smtClean="0">
-                            <a:latin typeface="Cambria Math" panose="02040503050406030204" pitchFamily="18" charset="0"/>
-                          </a:rPr>
-                        </m:ctrlPr>
-                      </m:sSubPr>
-                      <m:e>
-                        <m:r>
-                          <a:rPr lang="en-US" b="0" i="1" dirty="0" smtClean="0">
-                            <a:latin typeface="Cambria Math" panose="02040503050406030204" pitchFamily="18" charset="0"/>
-                          </a:rPr>
-                          <m:t>𝛼</m:t>
-                        </m:r>
-                      </m:e>
-                      <m:sub>
-                        <m:r>
-                          <a:rPr lang="en-US" b="0" i="1" dirty="0" smtClean="0">
-                            <a:latin typeface="Cambria Math" panose="02040503050406030204" pitchFamily="18" charset="0"/>
-                          </a:rPr>
-                          <m:t>2</m:t>
-                        </m:r>
-                      </m:sub>
-                    </m:sSub>
-                    <m:r>
-                      <a:rPr lang="en-US" b="0" i="1" dirty="0" smtClean="0">
-                        <a:latin typeface="Cambria Math" panose="02040503050406030204" pitchFamily="18" charset="0"/>
-                      </a:rPr>
-                      <m:t>+</m:t>
-                    </m:r>
-                    <m:sSub>
-                      <m:sSubPr>
-                        <m:ctrlPr>
-                          <a:rPr lang="en-US" b="0" i="1" dirty="0" smtClean="0">
-                            <a:latin typeface="Cambria Math" panose="02040503050406030204" pitchFamily="18" charset="0"/>
-                          </a:rPr>
-                        </m:ctrlPr>
-                      </m:sSubPr>
-                      <m:e>
-                        <m:r>
-                          <a:rPr lang="en-US" b="0" i="1" dirty="0" smtClean="0">
-                            <a:latin typeface="Cambria Math" panose="02040503050406030204" pitchFamily="18" charset="0"/>
-                          </a:rPr>
-                          <m:t>𝛼</m:t>
-                        </m:r>
-                      </m:e>
-                      <m:sub>
-                        <m:r>
-                          <a:rPr lang="en-US" b="0" i="1" dirty="0" smtClean="0">
-                            <a:latin typeface="Cambria Math" panose="02040503050406030204" pitchFamily="18" charset="0"/>
-                          </a:rPr>
-                          <m:t>3</m:t>
-                        </m:r>
-                      </m:sub>
-                    </m:sSub>
-                  </m:oMath>
-                </a14:m>
-                <a:endParaRPr lang="en-US" dirty="0"/>
-              </a:p>
-            </p:txBody>
-          </p:sp>
-        </mc:Choice>
-        <mc:Fallback>
+        <mc:Fallback xmlns="">
           <p:sp>
             <p:nvSpPr>
               <p:cNvPr id="4" name="TextBox 3"/>
@@ -9638,8 +9653,8 @@
           </a:p>
         </p:txBody>
       </p:sp>
-      <mc:AlternateContent xmlns:mc="http://schemas.openxmlformats.org/markup-compatibility/2006">
-        <mc:Choice xmlns:a14="http://schemas.microsoft.com/office/drawing/2010/main" Requires="a14">
+      <mc:AlternateContent xmlns:mc="http://schemas.openxmlformats.org/markup-compatibility/2006" xmlns:a14="http://schemas.microsoft.com/office/drawing/2010/main">
+        <mc:Choice Requires="a14">
           <p:sp>
             <p:nvSpPr>
               <p:cNvPr id="3" name="TextBox 2"/>
@@ -9920,7 +9935,7 @@
             </p:txBody>
           </p:sp>
         </mc:Choice>
-        <mc:Fallback>
+        <mc:Fallback xmlns="">
           <p:sp>
             <p:nvSpPr>
               <p:cNvPr id="3" name="TextBox 2"/>
@@ -9959,8 +9974,8 @@
           </p:sp>
         </mc:Fallback>
       </mc:AlternateContent>
-      <mc:AlternateContent xmlns:mc="http://schemas.openxmlformats.org/markup-compatibility/2006">
-        <mc:Choice xmlns:a14="http://schemas.microsoft.com/office/drawing/2010/main" Requires="a14">
+      <mc:AlternateContent xmlns:mc="http://schemas.openxmlformats.org/markup-compatibility/2006" xmlns:a14="http://schemas.microsoft.com/office/drawing/2010/main">
+        <mc:Choice Requires="a14">
           <p:sp>
             <p:nvSpPr>
               <p:cNvPr id="5" name="TextBox 4"/>
@@ -10030,11 +10045,7 @@
                 </a14:m>
                 <a:r>
                   <a:rPr lang="en-US" dirty="0" smtClean="0"/>
-                  <a:t> </a:t>
-                </a:r>
-                <a:r>
-                  <a:rPr lang="en-US" dirty="0" smtClean="0"/>
-                  <a:t>= 0 </a:t>
+                  <a:t> = 0 </a:t>
                 </a:r>
                 <a14:m>
                   <m:oMath xmlns:m="http://schemas.openxmlformats.org/officeDocument/2006/math">
@@ -10150,7 +10161,7 @@
             </p:txBody>
           </p:sp>
         </mc:Choice>
-        <mc:Fallback>
+        <mc:Fallback xmlns="">
           <p:sp>
             <p:nvSpPr>
               <p:cNvPr id="5" name="TextBox 4"/>
@@ -10189,8 +10200,8 @@
           </p:sp>
         </mc:Fallback>
       </mc:AlternateContent>
-      <mc:AlternateContent xmlns:mc="http://schemas.openxmlformats.org/markup-compatibility/2006">
-        <mc:Choice xmlns:a14="http://schemas.microsoft.com/office/drawing/2010/main" Requires="a14">
+      <mc:AlternateContent xmlns:mc="http://schemas.openxmlformats.org/markup-compatibility/2006" xmlns:a14="http://schemas.microsoft.com/office/drawing/2010/main">
+        <mc:Choice Requires="a14">
           <p:sp>
             <p:nvSpPr>
               <p:cNvPr id="6" name="TextBox 5"/>
@@ -10625,13 +10636,7 @@
                                 <a:rPr lang="en-US" b="0" i="1" smtClean="0">
                                   <a:latin typeface="Cambria Math" panose="02040503050406030204" pitchFamily="18" charset="0"/>
                                 </a:rPr>
-                                <m:t>−</m:t>
-                              </m:r>
-                              <m:r>
-                                <a:rPr lang="en-US" b="0" i="1" smtClean="0">
-                                  <a:latin typeface="Cambria Math" panose="02040503050406030204" pitchFamily="18" charset="0"/>
-                                </a:rPr>
-                                <m:t>2</m:t>
+                                <m:t>−2</m:t>
                               </m:r>
                             </m:e>
                           </m:mr>
@@ -10645,7 +10650,7 @@
             </p:txBody>
           </p:sp>
         </mc:Choice>
-        <mc:Fallback>
+        <mc:Fallback xmlns="">
           <p:sp>
             <p:nvSpPr>
               <p:cNvPr id="6" name="TextBox 5"/>
@@ -10684,8 +10689,8 @@
           </p:sp>
         </mc:Fallback>
       </mc:AlternateContent>
-      <mc:AlternateContent xmlns:mc="http://schemas.openxmlformats.org/markup-compatibility/2006">
-        <mc:Choice xmlns:a14="http://schemas.microsoft.com/office/drawing/2010/main" Requires="a14">
+      <mc:AlternateContent xmlns:mc="http://schemas.openxmlformats.org/markup-compatibility/2006" xmlns:a14="http://schemas.microsoft.com/office/drawing/2010/main">
+        <mc:Choice Requires="a14">
           <p:sp>
             <p:nvSpPr>
               <p:cNvPr id="8" name="TextBox 7"/>
@@ -10708,6 +10713,7 @@
               </a:bodyPr>
               <a:lstStyle/>
               <a:p>
+                <a:pPr/>
                 <a14:m>
                   <m:oMathPara xmlns:m="http://schemas.openxmlformats.org/officeDocument/2006/math">
                     <m:oMathParaPr>
@@ -10764,7 +10770,7 @@
             </p:txBody>
           </p:sp>
         </mc:Choice>
-        <mc:Fallback>
+        <mc:Fallback xmlns="">
           <p:sp>
             <p:nvSpPr>
               <p:cNvPr id="8" name="TextBox 7"/>
@@ -10803,8 +10809,8 @@
           </p:sp>
         </mc:Fallback>
       </mc:AlternateContent>
-      <mc:AlternateContent xmlns:mc="http://schemas.openxmlformats.org/markup-compatibility/2006">
-        <mc:Choice xmlns:a14="http://schemas.microsoft.com/office/drawing/2010/main" Requires="a14">
+      <mc:AlternateContent xmlns:mc="http://schemas.openxmlformats.org/markup-compatibility/2006" xmlns:a14="http://schemas.microsoft.com/office/drawing/2010/main">
+        <mc:Choice Requires="a14">
           <p:sp>
             <p:nvSpPr>
               <p:cNvPr id="13" name="TextBox 12"/>
@@ -10933,7 +10939,7 @@
             </p:txBody>
           </p:sp>
         </mc:Choice>
-        <mc:Fallback>
+        <mc:Fallback xmlns="">
           <p:sp>
             <p:nvSpPr>
               <p:cNvPr id="13" name="TextBox 12"/>
@@ -11261,8 +11267,8 @@
           </a:p>
         </p:txBody>
       </p:sp>
-      <mc:AlternateContent xmlns:mc="http://schemas.openxmlformats.org/markup-compatibility/2006">
-        <mc:Choice xmlns:a14="http://schemas.microsoft.com/office/drawing/2010/main" Requires="a14">
+      <mc:AlternateContent xmlns:mc="http://schemas.openxmlformats.org/markup-compatibility/2006" xmlns:a14="http://schemas.microsoft.com/office/drawing/2010/main">
+        <mc:Choice Requires="a14">
           <p:sp>
             <p:nvSpPr>
               <p:cNvPr id="4" name="TextBox 3"/>
@@ -11786,7 +11792,7 @@
             </p:txBody>
           </p:sp>
         </mc:Choice>
-        <mc:Fallback>
+        <mc:Fallback xmlns="">
           <p:sp>
             <p:nvSpPr>
               <p:cNvPr id="4" name="TextBox 3"/>
@@ -11825,8 +11831,8 @@
           </p:sp>
         </mc:Fallback>
       </mc:AlternateContent>
-      <mc:AlternateContent xmlns:mc="http://schemas.openxmlformats.org/markup-compatibility/2006">
-        <mc:Choice xmlns:a14="http://schemas.microsoft.com/office/drawing/2010/main" Requires="a14">
+      <mc:AlternateContent xmlns:mc="http://schemas.openxmlformats.org/markup-compatibility/2006" xmlns:a14="http://schemas.microsoft.com/office/drawing/2010/main">
+        <mc:Choice Requires="a14">
           <p:sp>
             <p:nvSpPr>
               <p:cNvPr id="9" name="TextBox 8"/>
@@ -12039,14 +12045,7 @@
                         <a:latin typeface="Cambria Math" panose="02040503050406030204" pitchFamily="18" charset="0"/>
                         <a:ea typeface="Cambria Math" panose="02040503050406030204" pitchFamily="18" charset="0"/>
                       </a:rPr>
-                      <m:t> </m:t>
-                    </m:r>
-                    <m:r>
-                      <a:rPr lang="en-US" b="0" i="1" smtClean="0">
-                        <a:latin typeface="Cambria Math" panose="02040503050406030204" pitchFamily="18" charset="0"/>
-                        <a:ea typeface="Cambria Math" panose="02040503050406030204" pitchFamily="18" charset="0"/>
-                      </a:rPr>
-                      <m:t>− </m:t>
+                      <m:t> − </m:t>
                     </m:r>
                     <m:f>
                       <m:fPr>
@@ -12418,7 +12417,7 @@
             </p:txBody>
           </p:sp>
         </mc:Choice>
-        <mc:Fallback>
+        <mc:Fallback xmlns="">
           <p:sp>
             <p:nvSpPr>
               <p:cNvPr id="9" name="TextBox 8"/>
@@ -12626,8 +12625,8 @@
           </a:p>
         </p:txBody>
       </p:sp>
-      <mc:AlternateContent xmlns:mc="http://schemas.openxmlformats.org/markup-compatibility/2006">
-        <mc:Choice xmlns:a14="http://schemas.microsoft.com/office/drawing/2010/main" Requires="a14">
+      <mc:AlternateContent xmlns:mc="http://schemas.openxmlformats.org/markup-compatibility/2006" xmlns:a14="http://schemas.microsoft.com/office/drawing/2010/main">
+        <mc:Choice Requires="a14">
           <p:sp>
             <p:nvSpPr>
               <p:cNvPr id="4" name="TextBox 3"/>
@@ -13151,7 +13150,7 @@
             </p:txBody>
           </p:sp>
         </mc:Choice>
-        <mc:Fallback>
+        <mc:Fallback xmlns="">
           <p:sp>
             <p:nvSpPr>
               <p:cNvPr id="4" name="TextBox 3"/>
@@ -13214,6 +13213,7 @@
               </a:bodyPr>
               <a:lstStyle/>
               <a:p>
+                <a:pPr/>
                 <a14:m>
                   <m:oMathPara xmlns:m="http://schemas.openxmlformats.org/officeDocument/2006/math">
                     <m:oMathParaPr>
@@ -13476,14 +13476,7 @@
                           <a:latin typeface="Cambria Math" panose="02040503050406030204" pitchFamily="18" charset="0"/>
                           <a:ea typeface="Cambria Math" panose="02040503050406030204" pitchFamily="18" charset="0"/>
                         </a:rPr>
-                        <m:t> </m:t>
-                      </m:r>
-                      <m:r>
-                        <a:rPr lang="en-US" b="0" i="1" smtClean="0">
-                          <a:latin typeface="Cambria Math" panose="02040503050406030204" pitchFamily="18" charset="0"/>
-                          <a:ea typeface="Cambria Math" panose="02040503050406030204" pitchFamily="18" charset="0"/>
-                        </a:rPr>
-                        <m:t>− </m:t>
+                        <m:t> − </m:t>
                       </m:r>
                       <m:f>
                         <m:fPr>
@@ -14444,13 +14437,6 @@
                             <a:latin typeface="Cambria Math" panose="02040503050406030204" pitchFamily="18" charset="0"/>
                             <a:ea typeface="Cambria Math" panose="02040503050406030204" pitchFamily="18" charset="0"/>
                           </a:rPr>
-                          <m:t>,</m:t>
-                        </m:r>
-                        <m:r>
-                          <a:rPr lang="en-US" b="0" i="1" smtClean="0">
-                            <a:latin typeface="Cambria Math" panose="02040503050406030204" pitchFamily="18" charset="0"/>
-                            <a:ea typeface="Cambria Math" panose="02040503050406030204" pitchFamily="18" charset="0"/>
-                          </a:rPr>
                           <m:t>+</m:t>
                         </m:r>
                         <m:r>
@@ -14941,14 +14927,7 @@
                         <a:latin typeface="Cambria Math" panose="02040503050406030204" pitchFamily="18" charset="0"/>
                         <a:ea typeface="Cambria Math" panose="02040503050406030204" pitchFamily="18" charset="0"/>
                       </a:rPr>
-                      <m:t>[</m:t>
-                    </m:r>
-                    <m:r>
-                      <a:rPr lang="en-US" b="0" i="0" smtClean="0">
-                        <a:latin typeface="Cambria Math" panose="02040503050406030204" pitchFamily="18" charset="0"/>
-                        <a:ea typeface="Cambria Math" panose="02040503050406030204" pitchFamily="18" charset="0"/>
-                      </a:rPr>
-                      <m:t>20</m:t>
+                      <m:t>[20</m:t>
                     </m:r>
                     <m:sSup>
                       <m:sSupPr>
@@ -15004,14 +14983,7 @@
                         <a:latin typeface="Cambria Math" panose="02040503050406030204" pitchFamily="18" charset="0"/>
                         <a:ea typeface="Cambria Math" panose="02040503050406030204" pitchFamily="18" charset="0"/>
                       </a:rPr>
-                      <m:t>+</m:t>
-                    </m:r>
-                    <m:r>
-                      <a:rPr lang="en-US" b="0" i="1" smtClean="0">
-                        <a:latin typeface="Cambria Math" panose="02040503050406030204" pitchFamily="18" charset="0"/>
-                        <a:ea typeface="Cambria Math" panose="02040503050406030204" pitchFamily="18" charset="0"/>
-                      </a:rPr>
-                      <m:t>32</m:t>
+                      <m:t>+32</m:t>
                     </m:r>
                     <m:sSub>
                       <m:sSubPr>
@@ -15162,6 +15134,13 @@
                             <a:latin typeface="Cambria Math" panose="02040503050406030204" pitchFamily="18" charset="0"/>
                             <a:ea typeface="Cambria Math" panose="02040503050406030204" pitchFamily="18" charset="0"/>
                           </a:rPr>
+                          <m:t>2</m:t>
+                        </m:r>
+                        <m:r>
+                          <a:rPr lang="en-US" b="0" i="1" smtClean="0">
+                            <a:latin typeface="Cambria Math" panose="02040503050406030204" pitchFamily="18" charset="0"/>
+                            <a:ea typeface="Cambria Math" panose="02040503050406030204" pitchFamily="18" charset="0"/>
+                          </a:rPr>
                           <m:t>𝛼</m:t>
                         </m:r>
                       </m:e>
@@ -15190,7 +15169,14 @@
                             <a:latin typeface="Cambria Math" panose="02040503050406030204" pitchFamily="18" charset="0"/>
                             <a:ea typeface="Cambria Math" panose="02040503050406030204" pitchFamily="18" charset="0"/>
                           </a:rPr>
-                          <m:t>,+</m:t>
+                          <m:t>+</m:t>
+                        </m:r>
+                        <m:r>
+                          <a:rPr lang="en-US" b="0" i="1" smtClean="0">
+                            <a:latin typeface="Cambria Math" panose="02040503050406030204" pitchFamily="18" charset="0"/>
+                            <a:ea typeface="Cambria Math" panose="02040503050406030204" pitchFamily="18" charset="0"/>
+                          </a:rPr>
+                          <m:t>2</m:t>
                         </m:r>
                         <m:r>
                           <a:rPr lang="en-US" b="0" i="1" smtClean="0">
@@ -15207,41 +15193,6 @@
                             <a:ea typeface="Cambria Math" panose="02040503050406030204" pitchFamily="18" charset="0"/>
                           </a:rPr>
                           <m:t>2</m:t>
-                        </m:r>
-                      </m:sub>
-                    </m:sSub>
-                    <m:sSub>
-                      <m:sSubPr>
-                        <m:ctrlPr>
-                          <a:rPr lang="en-US" b="0" i="1" smtClean="0">
-                            <a:latin typeface="Cambria Math" panose="02040503050406030204" pitchFamily="18" charset="0"/>
-                            <a:ea typeface="Cambria Math" panose="02040503050406030204" pitchFamily="18" charset="0"/>
-                          </a:rPr>
-                        </m:ctrlPr>
-                      </m:sSubPr>
-                      <m:e>
-                        <m:r>
-                          <a:rPr lang="en-US" b="0" i="1" smtClean="0">
-                            <a:latin typeface="Cambria Math" panose="02040503050406030204" pitchFamily="18" charset="0"/>
-                            <a:ea typeface="Cambria Math" panose="02040503050406030204" pitchFamily="18" charset="0"/>
-                          </a:rPr>
-                          <m:t>+</m:t>
-                        </m:r>
-                        <m:r>
-                          <a:rPr lang="en-US" b="0" i="1" smtClean="0">
-                            <a:latin typeface="Cambria Math" panose="02040503050406030204" pitchFamily="18" charset="0"/>
-                            <a:ea typeface="Cambria Math" panose="02040503050406030204" pitchFamily="18" charset="0"/>
-                          </a:rPr>
-                          <m:t>𝛼</m:t>
-                        </m:r>
-                      </m:e>
-                      <m:sub>
-                        <m:r>
-                          <a:rPr lang="en-US" b="0" i="1" smtClean="0">
-                            <a:latin typeface="Cambria Math" panose="02040503050406030204" pitchFamily="18" charset="0"/>
-                            <a:ea typeface="Cambria Math" panose="02040503050406030204" pitchFamily="18" charset="0"/>
-                          </a:rPr>
-                          <m:t>3</m:t>
                         </m:r>
                       </m:sub>
                     </m:sSub>
@@ -15406,8 +15357,8 @@
           </a:p>
         </p:txBody>
       </p:sp>
-      <mc:AlternateContent xmlns:mc="http://schemas.openxmlformats.org/markup-compatibility/2006">
-        <mc:Choice xmlns:a14="http://schemas.microsoft.com/office/drawing/2010/main" Requires="a14">
+      <mc:AlternateContent xmlns:mc="http://schemas.openxmlformats.org/markup-compatibility/2006" xmlns:a14="http://schemas.microsoft.com/office/drawing/2010/main">
+        <mc:Choice Requires="a14">
           <p:sp>
             <p:nvSpPr>
               <p:cNvPr id="4" name="TextBox 3"/>
@@ -15430,6 +15381,7 @@
               </a:bodyPr>
               <a:lstStyle/>
               <a:p>
+                <a:pPr/>
                 <a14:m>
                   <m:oMathPara xmlns:m="http://schemas.openxmlformats.org/officeDocument/2006/math">
                     <m:oMathParaPr>
@@ -15891,7 +15843,7 @@
             </p:txBody>
           </p:sp>
         </mc:Choice>
-        <mc:Fallback>
+        <mc:Fallback xmlns="">
           <p:sp>
             <p:nvSpPr>
               <p:cNvPr id="4" name="TextBox 3"/>
@@ -15930,8 +15882,8 @@
           </p:sp>
         </mc:Fallback>
       </mc:AlternateContent>
-      <mc:AlternateContent xmlns:mc="http://schemas.openxmlformats.org/markup-compatibility/2006">
-        <mc:Choice xmlns:a14="http://schemas.microsoft.com/office/drawing/2010/main" Requires="a14">
+      <mc:AlternateContent xmlns:mc="http://schemas.openxmlformats.org/markup-compatibility/2006" xmlns:a14="http://schemas.microsoft.com/office/drawing/2010/main">
+        <mc:Choice Requires="a14">
           <p:sp>
             <p:nvSpPr>
               <p:cNvPr id="9" name="TextBox 8"/>
@@ -15954,6 +15906,7 @@
               </a:bodyPr>
               <a:lstStyle/>
               <a:p>
+                <a:pPr/>
                 <a14:m>
                   <m:oMathPara xmlns:m="http://schemas.openxmlformats.org/officeDocument/2006/math">
                     <m:oMathParaPr>
@@ -16382,14 +16335,7 @@
                                       <a:latin typeface="Cambria Math" panose="02040503050406030204" pitchFamily="18" charset="0"/>
                                       <a:ea typeface="Cambria Math" panose="02040503050406030204" pitchFamily="18" charset="0"/>
                                     </a:rPr>
-                                    <m:t>,+</m:t>
-                                  </m:r>
-                                  <m:r>
-                                    <a:rPr lang="en-US" b="0" i="1" smtClean="0">
-                                      <a:latin typeface="Cambria Math" panose="02040503050406030204" pitchFamily="18" charset="0"/>
-                                      <a:ea typeface="Cambria Math" panose="02040503050406030204" pitchFamily="18" charset="0"/>
-                                    </a:rPr>
-                                    <m:t>2</m:t>
+                                    <m:t>,+2</m:t>
                                   </m:r>
                                   <m:r>
                                     <a:rPr lang="en-US" b="0" i="1" smtClean="0">
@@ -16524,7 +16470,7 @@
             </p:txBody>
           </p:sp>
         </mc:Choice>
-        <mc:Fallback>
+        <mc:Fallback xmlns="">
           <p:sp>
             <p:nvSpPr>
               <p:cNvPr id="9" name="TextBox 8"/>
@@ -16563,8 +16509,8 @@
           </p:sp>
         </mc:Fallback>
       </mc:AlternateContent>
-      <mc:AlternateContent xmlns:mc="http://schemas.openxmlformats.org/markup-compatibility/2006">
-        <mc:Choice xmlns:a14="http://schemas.microsoft.com/office/drawing/2010/main" Requires="a14">
+      <mc:AlternateContent xmlns:mc="http://schemas.openxmlformats.org/markup-compatibility/2006" xmlns:a14="http://schemas.microsoft.com/office/drawing/2010/main">
+        <mc:Choice Requires="a14">
           <p:sp>
             <p:nvSpPr>
               <p:cNvPr id="6" name="TextBox 5"/>
@@ -16587,6 +16533,7 @@
               </a:bodyPr>
               <a:lstStyle/>
               <a:p>
+                <a:pPr/>
                 <a14:m>
                   <m:oMathPara xmlns:m="http://schemas.openxmlformats.org/officeDocument/2006/math">
                     <m:oMathParaPr>
@@ -16690,14 +16637,7 @@
                                   <a:latin typeface="Cambria Math" panose="02040503050406030204" pitchFamily="18" charset="0"/>
                                   <a:ea typeface="Cambria Math" panose="02040503050406030204" pitchFamily="18" charset="0"/>
                                 </a:rPr>
-                                <m:t>=</m:t>
-                              </m:r>
-                              <m:r>
-                                <a:rPr lang="en-US" b="0" i="1" smtClean="0">
-                                  <a:latin typeface="Cambria Math" panose="02040503050406030204" pitchFamily="18" charset="0"/>
-                                  <a:ea typeface="Cambria Math" panose="02040503050406030204" pitchFamily="18" charset="0"/>
-                                </a:rPr>
-                                <m:t>1/8</m:t>
+                                <m:t>=1/8</m:t>
                               </m:r>
                               <m:r>
                                 <m:rPr>
@@ -16741,14 +16681,7 @@
                                   <a:latin typeface="Cambria Math" panose="02040503050406030204" pitchFamily="18" charset="0"/>
                                   <a:ea typeface="Cambria Math" panose="02040503050406030204" pitchFamily="18" charset="0"/>
                                 </a:rPr>
-                                <m:t>=</m:t>
-                              </m:r>
-                              <m:r>
-                                <a:rPr lang="en-US" b="0" i="1" smtClean="0">
-                                  <a:latin typeface="Cambria Math" panose="02040503050406030204" pitchFamily="18" charset="0"/>
-                                  <a:ea typeface="Cambria Math" panose="02040503050406030204" pitchFamily="18" charset="0"/>
-                                </a:rPr>
-                                <m:t>1/8</m:t>
+                                <m:t>=1/8</m:t>
                               </m:r>
                             </m:e>
                           </m:eqArr>
@@ -16770,7 +16703,7 @@
             </p:txBody>
           </p:sp>
         </mc:Choice>
-        <mc:Fallback>
+        <mc:Fallback xmlns="">
           <p:sp>
             <p:nvSpPr>
               <p:cNvPr id="6" name="TextBox 5"/>
@@ -16929,8 +16862,8 @@
           </a:p>
         </p:txBody>
       </p:sp>
-      <mc:AlternateContent xmlns:mc="http://schemas.openxmlformats.org/markup-compatibility/2006">
-        <mc:Choice xmlns:a14="http://schemas.microsoft.com/office/drawing/2010/main" Requires="a14">
+      <mc:AlternateContent xmlns:mc="http://schemas.openxmlformats.org/markup-compatibility/2006" xmlns:a14="http://schemas.microsoft.com/office/drawing/2010/main">
+        <mc:Choice Requires="a14">
           <p:sp>
             <p:nvSpPr>
               <p:cNvPr id="6" name="TextBox 5"/>
@@ -16953,6 +16886,7 @@
               </a:bodyPr>
               <a:lstStyle/>
               <a:p>
+                <a:pPr/>
                 <a14:m>
                   <m:oMathPara xmlns:m="http://schemas.openxmlformats.org/officeDocument/2006/math">
                     <m:oMathParaPr>
@@ -17056,14 +16990,7 @@
                                   <a:latin typeface="Cambria Math" panose="02040503050406030204" pitchFamily="18" charset="0"/>
                                   <a:ea typeface="Cambria Math" panose="02040503050406030204" pitchFamily="18" charset="0"/>
                                 </a:rPr>
-                                <m:t>=</m:t>
-                              </m:r>
-                              <m:r>
-                                <a:rPr lang="en-US" b="0" i="1" smtClean="0">
-                                  <a:latin typeface="Cambria Math" panose="02040503050406030204" pitchFamily="18" charset="0"/>
-                                  <a:ea typeface="Cambria Math" panose="02040503050406030204" pitchFamily="18" charset="0"/>
-                                </a:rPr>
-                                <m:t>1/8</m:t>
+                                <m:t>=1/8</m:t>
                               </m:r>
                               <m:r>
                                 <m:rPr>
@@ -17107,14 +17034,7 @@
                                   <a:latin typeface="Cambria Math" panose="02040503050406030204" pitchFamily="18" charset="0"/>
                                   <a:ea typeface="Cambria Math" panose="02040503050406030204" pitchFamily="18" charset="0"/>
                                 </a:rPr>
-                                <m:t>=</m:t>
-                              </m:r>
-                              <m:r>
-                                <a:rPr lang="en-US" b="0" i="1" smtClean="0">
-                                  <a:latin typeface="Cambria Math" panose="02040503050406030204" pitchFamily="18" charset="0"/>
-                                  <a:ea typeface="Cambria Math" panose="02040503050406030204" pitchFamily="18" charset="0"/>
-                                </a:rPr>
-                                <m:t>1/8</m:t>
+                                <m:t>=1/8</m:t>
                               </m:r>
                             </m:e>
                           </m:eqArr>
@@ -17136,7 +17056,7 @@
             </p:txBody>
           </p:sp>
         </mc:Choice>
-        <mc:Fallback>
+        <mc:Fallback xmlns="">
           <p:sp>
             <p:nvSpPr>
               <p:cNvPr id="6" name="TextBox 5"/>
@@ -17175,8 +17095,8 @@
           </p:sp>
         </mc:Fallback>
       </mc:AlternateContent>
-      <mc:AlternateContent xmlns:mc="http://schemas.openxmlformats.org/markup-compatibility/2006">
-        <mc:Choice xmlns:a14="http://schemas.microsoft.com/office/drawing/2010/main" Requires="a14">
+      <mc:AlternateContent xmlns:mc="http://schemas.openxmlformats.org/markup-compatibility/2006" xmlns:a14="http://schemas.microsoft.com/office/drawing/2010/main">
+        <mc:Choice Requires="a14">
           <p:sp>
             <p:nvSpPr>
               <p:cNvPr id="3" name="TextBox 2"/>
@@ -17690,19 +17610,7 @@
                                 <a:rPr lang="en-US" b="0" i="1" smtClean="0">
                                   <a:latin typeface="Cambria Math" panose="02040503050406030204" pitchFamily="18" charset="0"/>
                                 </a:rPr>
-                                <m:t>−</m:t>
-                              </m:r>
-                              <m:r>
-                                <a:rPr lang="en-US" b="0" i="1" smtClean="0">
-                                  <a:latin typeface="Cambria Math" panose="02040503050406030204" pitchFamily="18" charset="0"/>
-                                </a:rPr>
-                                <m:t>1/</m:t>
-                              </m:r>
-                              <m:r>
-                                <a:rPr lang="en-US" b="0" i="1" smtClean="0">
-                                  <a:latin typeface="Cambria Math" panose="02040503050406030204" pitchFamily="18" charset="0"/>
-                                </a:rPr>
-                                <m:t>2</m:t>
+                                <m:t>−1/2</m:t>
                               </m:r>
                             </m:e>
                           </m:mr>
@@ -17926,7 +17834,7 @@
             </p:txBody>
           </p:sp>
         </mc:Choice>
-        <mc:Fallback>
+        <mc:Fallback xmlns="">
           <p:sp>
             <p:nvSpPr>
               <p:cNvPr id="3" name="TextBox 2"/>
@@ -17965,8 +17873,8 @@
           </p:sp>
         </mc:Fallback>
       </mc:AlternateContent>
-      <mc:AlternateContent xmlns:mc="http://schemas.openxmlformats.org/markup-compatibility/2006">
-        <mc:Choice xmlns:a14="http://schemas.microsoft.com/office/drawing/2010/main" Requires="a14">
+      <mc:AlternateContent xmlns:mc="http://schemas.openxmlformats.org/markup-compatibility/2006" xmlns:a14="http://schemas.microsoft.com/office/drawing/2010/main">
+        <mc:Choice Requires="a14">
           <p:sp>
             <p:nvSpPr>
               <p:cNvPr id="5" name="TextBox 4"/>
@@ -18071,7 +17979,7 @@
             </p:txBody>
           </p:sp>
         </mc:Choice>
-        <mc:Fallback>
+        <mc:Fallback xmlns="">
           <p:sp>
             <p:nvSpPr>
               <p:cNvPr id="5" name="TextBox 4"/>
